--- a/Docs/Presentations/Slides/#1-2 title intro problem desc.pptx
+++ b/Docs/Presentations/Slides/#1-2 title intro problem desc.pptx
@@ -3687,20 +3687,13 @@
           <a:lstStyle/>
           <a:p>
             <a:r>
-              <a:rPr lang="en-US" sz="6600" b="1" dirty="0" smtClean="0">
+              <a:rPr lang="en-US" sz="6600" dirty="0" smtClean="0">
                 <a:latin typeface="Garamond" panose="02020404030301010803" pitchFamily="18" charset="0"/>
                 <a:cs typeface="Times New Roman" panose="02020603050405020304" pitchFamily="18" charset="0"/>
               </a:rPr>
-              <a:t>PSAS Electric </a:t>
-            </a:r>
-            <a:r>
-              <a:rPr lang="en-US" sz="6600" b="1" dirty="0" smtClean="0">
-                <a:latin typeface="Garamond" panose="02020404030301010803" pitchFamily="18" charset="0"/>
-                <a:cs typeface="Times New Roman" panose="02020603050405020304" pitchFamily="18" charset="0"/>
-              </a:rPr>
-              <a:t>Propellant Feed System </a:t>
-            </a:r>
-            <a:endParaRPr lang="en-US" sz="6600" b="1" dirty="0">
+              <a:t>PSAS Electric Propellant Feed System </a:t>
+            </a:r>
+            <a:endParaRPr lang="en-US" sz="6600" dirty="0">
               <a:latin typeface="Garamond" panose="02020404030301010803" pitchFamily="18" charset="0"/>
               <a:cs typeface="Times New Roman" panose="02020603050405020304" pitchFamily="18" charset="0"/>
             </a:endParaRPr>
@@ -4165,9 +4158,6 @@
               </a:rPr>
               <a:t> Rasheed</a:t>
             </a:r>
-            <a:endParaRPr lang="en-US" sz="2800" dirty="0" smtClean="0">
-              <a:latin typeface="Garamond" panose="02020404030301010803" pitchFamily="18" charset="0"/>
-            </a:endParaRPr>
           </a:p>
           <a:p>
             <a:endParaRPr lang="en-US" sz="3200" dirty="0">
@@ -4490,10 +4480,6 @@
               </a:rPr>
               <a:t>Portland State Aerospace Society (PSAS) wants its rockets to go higher, but mass is the enemy:</a:t>
             </a:r>
-            <a:endParaRPr lang="en-US" sz="2800" dirty="0" smtClean="0">
-              <a:latin typeface="Garamond" panose="02020404030301010803" pitchFamily="18" charset="0"/>
-              <a:cs typeface="Times New Roman" panose="02020603050405020304" pitchFamily="18" charset="0"/>
-            </a:endParaRPr>
           </a:p>
         </p:txBody>
       </p:sp>
@@ -6053,14 +6039,7 @@
                 <a:latin typeface="Garamond" panose="02020404030301010803" pitchFamily="18" charset="0"/>
                 <a:cs typeface="Times New Roman" panose="02020603050405020304" pitchFamily="18" charset="0"/>
               </a:rPr>
-              <a:t> without turbine </a:t>
-            </a:r>
-            <a:r>
-              <a:rPr lang="en-US" dirty="0" smtClean="0">
-                <a:latin typeface="Garamond" panose="02020404030301010803" pitchFamily="18" charset="0"/>
-                <a:cs typeface="Times New Roman" panose="02020603050405020304" pitchFamily="18" charset="0"/>
-              </a:rPr>
-              <a:t>= just a pump.</a:t>
+              <a:t> without turbine = just a pump.</a:t>
             </a:r>
           </a:p>
           <a:p>
@@ -6094,10 +6073,6 @@
               </a:rPr>
               <a:t>.</a:t>
             </a:r>
-            <a:endParaRPr lang="en-US" dirty="0" smtClean="0">
-              <a:latin typeface="Garamond" panose="02020404030301010803" pitchFamily="18" charset="0"/>
-              <a:cs typeface="Times New Roman" panose="02020603050405020304" pitchFamily="18" charset="0"/>
-            </a:endParaRPr>
           </a:p>
           <a:p>
             <a:endParaRPr lang="en-US" dirty="0">
@@ -6987,14 +6962,7 @@
                 <a:latin typeface="Garamond" panose="02020404030301010803" pitchFamily="18" charset="0"/>
                 <a:cs typeface="Times New Roman" panose="02020603050405020304" pitchFamily="18" charset="0"/>
               </a:rPr>
-              <a:t>Design a test pump to try to meet PSAS’</a:t>
-            </a:r>
-            <a:r>
-              <a:rPr lang="en-US" dirty="0" smtClean="0">
-                <a:latin typeface="Garamond" panose="02020404030301010803" pitchFamily="18" charset="0"/>
-                <a:cs typeface="Times New Roman" panose="02020603050405020304" pitchFamily="18" charset="0"/>
-              </a:rPr>
-              <a:t> </a:t>
+              <a:t>Design a test pump to try to meet PSAS’ </a:t>
             </a:r>
             <a:r>
               <a:rPr lang="en-US" dirty="0">
@@ -7031,10 +6999,6 @@
               </a:rPr>
               <a:t>)</a:t>
             </a:r>
-            <a:endParaRPr lang="en-US" dirty="0" smtClean="0">
-              <a:latin typeface="Garamond" panose="02020404030301010803" pitchFamily="18" charset="0"/>
-              <a:cs typeface="Times New Roman" panose="02020603050405020304" pitchFamily="18" charset="0"/>
-            </a:endParaRPr>
           </a:p>
           <a:p>
             <a:r>

--- a/Docs/Presentations/Slides/#1-2 title intro problem desc.pptx
+++ b/Docs/Presentations/Slides/#1-2 title intro problem desc.pptx
@@ -5978,33 +5978,64 @@
       </p:grpSpPr>
       <p:pic>
         <p:nvPicPr>
-          <p:cNvPr id="5" name="Picture 4"/>
+          <p:cNvPr id="21" name="Picture 20"/>
           <p:cNvPicPr>
             <a:picLocks noChangeAspect="1"/>
           </p:cNvPicPr>
           <p:nvPr/>
         </p:nvPicPr>
-        <p:blipFill rotWithShape="1">
-          <a:blip r:embed="rId2" cstate="print">
-            <a:extLst>
-              <a:ext uri="{28A0092B-C50C-407E-A947-70E740481C1C}">
-                <a14:useLocalDpi xmlns:a14="http://schemas.microsoft.com/office/drawing/2010/main" val="0"/>
-              </a:ext>
-            </a:extLst>
-          </a:blip>
-          <a:srcRect l="4445" t="13990" b="26666"/>
-          <a:stretch/>
+        <p:blipFill>
+          <a:blip r:embed="rId2"/>
+          <a:stretch>
+            <a:fillRect/>
+          </a:stretch>
         </p:blipFill>
         <p:spPr>
           <a:xfrm>
-            <a:off x="2614244" y="2783038"/>
-            <a:ext cx="6838819" cy="3185414"/>
+            <a:off x="3364512" y="2791396"/>
+            <a:ext cx="5376869" cy="3234522"/>
           </a:xfrm>
           <a:prstGeom prst="rect">
             <a:avLst/>
           </a:prstGeom>
         </p:spPr>
       </p:pic>
+      <p:sp>
+        <p:nvSpPr>
+          <p:cNvPr id="24" name="TextBox 23"/>
+          <p:cNvSpPr txBox="1"/>
+          <p:nvPr/>
+        </p:nvSpPr>
+        <p:spPr>
+          <a:xfrm>
+            <a:off x="2298598" y="5521717"/>
+            <a:ext cx="890375" cy="461665"/>
+          </a:xfrm>
+          <a:prstGeom prst="rect">
+            <a:avLst/>
+          </a:prstGeom>
+          <a:solidFill>
+            <a:schemeClr val="bg1"/>
+          </a:solidFill>
+        </p:spPr>
+        <p:txBody>
+          <a:bodyPr wrap="square" rtlCol="0">
+            <a:spAutoFit/>
+          </a:bodyPr>
+          <a:lstStyle/>
+          <a:p>
+            <a:r>
+              <a:rPr lang="en-US" sz="2400" dirty="0" smtClean="0">
+                <a:latin typeface="Garamond" panose="02020404030301010803" pitchFamily="18" charset="0"/>
+              </a:rPr>
+              <a:t>Tank</a:t>
+            </a:r>
+            <a:endParaRPr lang="en-US" sz="2400" dirty="0">
+              <a:latin typeface="Garamond" panose="02020404030301010803" pitchFamily="18" charset="0"/>
+            </a:endParaRPr>
+          </a:p>
+        </p:txBody>
+      </p:sp>
       <p:sp>
         <p:nvSpPr>
           <p:cNvPr id="10" name="Content Placeholder 2"/>
@@ -6129,10 +6160,10 @@
           </a:p>
           <a:p>
             <a:r>
-              <a:rPr lang="en-US" sz="1200" dirty="0" smtClean="0">
+              <a:rPr lang="en-US" sz="1200" dirty="0">
                 <a:latin typeface="Garamond" panose="02020404030301010803" pitchFamily="18" charset="0"/>
               </a:rPr>
-              <a:t>http://www.worldwideelectric.net/</a:t>
+              <a:t>https://www.digikey.com/</a:t>
             </a:r>
             <a:endParaRPr lang="en-US" sz="1200" dirty="0">
               <a:latin typeface="Garamond" panose="02020404030301010803" pitchFamily="18" charset="0"/>
@@ -6162,8 +6193,8 @@
         </p:blipFill>
         <p:spPr>
           <a:xfrm>
-            <a:off x="490286" y="3427567"/>
-            <a:ext cx="1632772" cy="1917384"/>
+            <a:off x="619778" y="3392638"/>
+            <a:ext cx="1417747" cy="1664878"/>
           </a:xfrm>
           <a:prstGeom prst="rect">
             <a:avLst/>
@@ -6178,7 +6209,7 @@
         </p:nvSpPr>
         <p:spPr>
           <a:xfrm>
-            <a:off x="2214349" y="3891405"/>
+            <a:off x="2140778" y="3891405"/>
             <a:ext cx="682388" cy="655092"/>
           </a:xfrm>
           <a:prstGeom prst="mathPlus">
@@ -6220,7 +6251,7 @@
         </p:nvSpPr>
         <p:spPr>
           <a:xfrm>
-            <a:off x="5233261" y="3891405"/>
+            <a:off x="5557655" y="3891405"/>
             <a:ext cx="682388" cy="655092"/>
           </a:xfrm>
           <a:prstGeom prst="mathPlus">
@@ -6276,8 +6307,8 @@
         </p:blipFill>
         <p:spPr>
           <a:xfrm>
-            <a:off x="6114976" y="3277301"/>
-            <a:ext cx="2196889" cy="2196889"/>
+            <a:off x="6421660" y="3277301"/>
+            <a:ext cx="1890205" cy="1890205"/>
           </a:xfrm>
           <a:prstGeom prst="rect">
             <a:avLst/>
@@ -6351,8 +6382,8 @@
         </p:blipFill>
         <p:spPr>
           <a:xfrm>
-            <a:off x="3034381" y="3427567"/>
-            <a:ext cx="2098611" cy="1786817"/>
+            <a:off x="2957619" y="3485596"/>
+            <a:ext cx="2543947" cy="1565141"/>
           </a:xfrm>
           <a:prstGeom prst="rect">
             <a:avLst/>
@@ -6465,6 +6496,194 @@
           </a:fontRef>
         </p:style>
       </p:cxnSp>
+      <p:sp>
+        <p:nvSpPr>
+          <p:cNvPr id="22" name="Right Arrow 21"/>
+          <p:cNvSpPr/>
+          <p:nvPr/>
+        </p:nvSpPr>
+        <p:spPr>
+          <a:xfrm rot="19594044">
+            <a:off x="3076270" y="5350298"/>
+            <a:ext cx="560551" cy="327084"/>
+          </a:xfrm>
+          <a:prstGeom prst="rightArrow">
+            <a:avLst/>
+          </a:prstGeom>
+        </p:spPr>
+        <p:style>
+          <a:lnRef idx="2">
+            <a:schemeClr val="accent1">
+              <a:shade val="50000"/>
+            </a:schemeClr>
+          </a:lnRef>
+          <a:fillRef idx="1">
+            <a:schemeClr val="accent1"/>
+          </a:fillRef>
+          <a:effectRef idx="0">
+            <a:schemeClr val="accent1"/>
+          </a:effectRef>
+          <a:fontRef idx="minor">
+            <a:schemeClr val="lt1"/>
+          </a:fontRef>
+        </p:style>
+        <p:txBody>
+          <a:bodyPr rtlCol="0" anchor="ctr"/>
+          <a:lstStyle/>
+          <a:p>
+            <a:pPr algn="ctr"/>
+            <a:endParaRPr lang="en-US"/>
+          </a:p>
+        </p:txBody>
+      </p:sp>
+      <p:sp>
+        <p:nvSpPr>
+          <p:cNvPr id="23" name="Right Arrow 22"/>
+          <p:cNvSpPr/>
+          <p:nvPr/>
+        </p:nvSpPr>
+        <p:spPr>
+          <a:xfrm rot="1731662">
+            <a:off x="6721621" y="5485868"/>
+            <a:ext cx="560551" cy="327084"/>
+          </a:xfrm>
+          <a:prstGeom prst="rightArrow">
+            <a:avLst/>
+          </a:prstGeom>
+        </p:spPr>
+        <p:style>
+          <a:lnRef idx="2">
+            <a:schemeClr val="accent2">
+              <a:shade val="50000"/>
+            </a:schemeClr>
+          </a:lnRef>
+          <a:fillRef idx="1">
+            <a:schemeClr val="accent2"/>
+          </a:fillRef>
+          <a:effectRef idx="0">
+            <a:schemeClr val="accent2"/>
+          </a:effectRef>
+          <a:fontRef idx="minor">
+            <a:schemeClr val="lt1"/>
+          </a:fontRef>
+        </p:style>
+        <p:txBody>
+          <a:bodyPr rtlCol="0" anchor="ctr"/>
+          <a:lstStyle/>
+          <a:p>
+            <a:pPr algn="ctr"/>
+            <a:endParaRPr lang="en-US"/>
+          </a:p>
+        </p:txBody>
+      </p:sp>
+      <p:sp>
+        <p:nvSpPr>
+          <p:cNvPr id="25" name="TextBox 24"/>
+          <p:cNvSpPr txBox="1"/>
+          <p:nvPr/>
+        </p:nvSpPr>
+        <p:spPr>
+          <a:xfrm>
+            <a:off x="7292381" y="5697092"/>
+            <a:ext cx="1209764" cy="461665"/>
+          </a:xfrm>
+          <a:prstGeom prst="rect">
+            <a:avLst/>
+          </a:prstGeom>
+          <a:solidFill>
+            <a:schemeClr val="bg1"/>
+          </a:solidFill>
+        </p:spPr>
+        <p:txBody>
+          <a:bodyPr wrap="square" rtlCol="0">
+            <a:spAutoFit/>
+          </a:bodyPr>
+          <a:lstStyle/>
+          <a:p>
+            <a:r>
+              <a:rPr lang="en-US" sz="2400" dirty="0" smtClean="0">
+                <a:latin typeface="Garamond" panose="02020404030301010803" pitchFamily="18" charset="0"/>
+              </a:rPr>
+              <a:t>Engine</a:t>
+            </a:r>
+            <a:endParaRPr lang="en-US" sz="2400" dirty="0">
+              <a:latin typeface="Garamond" panose="02020404030301010803" pitchFamily="18" charset="0"/>
+            </a:endParaRPr>
+          </a:p>
+        </p:txBody>
+      </p:sp>
+      <p:sp>
+        <p:nvSpPr>
+          <p:cNvPr id="26" name="TextBox 25"/>
+          <p:cNvSpPr txBox="1"/>
+          <p:nvPr/>
+        </p:nvSpPr>
+        <p:spPr>
+          <a:xfrm>
+            <a:off x="7628882" y="2890690"/>
+            <a:ext cx="2545132" cy="461665"/>
+          </a:xfrm>
+          <a:prstGeom prst="rect">
+            <a:avLst/>
+          </a:prstGeom>
+          <a:solidFill>
+            <a:schemeClr val="bg1"/>
+          </a:solidFill>
+        </p:spPr>
+        <p:txBody>
+          <a:bodyPr wrap="square" rtlCol="0">
+            <a:spAutoFit/>
+          </a:bodyPr>
+          <a:lstStyle/>
+          <a:p>
+            <a:r>
+              <a:rPr lang="en-US" sz="2400" dirty="0" smtClean="0">
+                <a:latin typeface="Garamond" panose="02020404030301010803" pitchFamily="18" charset="0"/>
+              </a:rPr>
+              <a:t>Electric motor</a:t>
+            </a:r>
+            <a:endParaRPr lang="en-US" sz="2400" dirty="0">
+              <a:latin typeface="Garamond" panose="02020404030301010803" pitchFamily="18" charset="0"/>
+            </a:endParaRPr>
+          </a:p>
+        </p:txBody>
+      </p:sp>
+      <p:sp>
+        <p:nvSpPr>
+          <p:cNvPr id="27" name="TextBox 26"/>
+          <p:cNvSpPr txBox="1"/>
+          <p:nvPr/>
+        </p:nvSpPr>
+        <p:spPr>
+          <a:xfrm>
+            <a:off x="3723887" y="3392638"/>
+            <a:ext cx="958456" cy="461665"/>
+          </a:xfrm>
+          <a:prstGeom prst="rect">
+            <a:avLst/>
+          </a:prstGeom>
+          <a:solidFill>
+            <a:schemeClr val="bg1"/>
+          </a:solidFill>
+        </p:spPr>
+        <p:txBody>
+          <a:bodyPr wrap="square" rtlCol="0">
+            <a:spAutoFit/>
+          </a:bodyPr>
+          <a:lstStyle/>
+          <a:p>
+            <a:r>
+              <a:rPr lang="en-US" sz="2400" dirty="0" smtClean="0">
+                <a:latin typeface="Garamond" panose="02020404030301010803" pitchFamily="18" charset="0"/>
+              </a:rPr>
+              <a:t>Pump</a:t>
+            </a:r>
+            <a:endParaRPr lang="en-US" sz="2400" dirty="0">
+              <a:latin typeface="Garamond" panose="02020404030301010803" pitchFamily="18" charset="0"/>
+            </a:endParaRPr>
+          </a:p>
+        </p:txBody>
+      </p:sp>
     </p:spTree>
     <p:extLst>
       <p:ext uri="{BB962C8B-B14F-4D97-AF65-F5344CB8AC3E}">
@@ -6521,7 +6740,7 @@
                                           </p:stCondLst>
                                         </p:cTn>
                                         <p:tgtEl>
-                                          <p:spTgt spid="5"/>
+                                          <p:spTgt spid="21"/>
                                         </p:tgtEl>
                                         <p:attrNameLst>
                                           <p:attrName>style.visibility</p:attrName>
@@ -6535,7 +6754,7 @@
                                       <p:cBhvr>
                                         <p:cTn id="7" dur="500"/>
                                         <p:tgtEl>
-                                          <p:spTgt spid="5"/>
+                                          <p:spTgt spid="21"/>
                                         </p:tgtEl>
                                       </p:cBhvr>
                                     </p:animEffect>
@@ -6543,72 +6762,72 @@
                                 </p:cTn>
                               </p:par>
                               <p:par>
-                                <p:cTn id="8" presetID="10" presetClass="exit" presetSubtype="0" fill="hold" nodeType="withEffect">
+                                <p:cTn id="8" presetID="10" presetClass="entr" presetSubtype="0" fill="hold" grpId="0" nodeType="withEffect">
                                   <p:stCondLst>
                                     <p:cond delay="0"/>
                                   </p:stCondLst>
                                   <p:childTnLst>
-                                    <p:animEffect transition="out" filter="fade">
-                                      <p:cBhvr>
-                                        <p:cTn id="9" dur="500"/>
-                                        <p:tgtEl>
-                                          <p:spTgt spid="12"/>
-                                        </p:tgtEl>
-                                      </p:cBhvr>
-                                    </p:animEffect>
                                     <p:set>
                                       <p:cBhvr>
-                                        <p:cTn id="10" dur="1" fill="hold">
+                                        <p:cTn id="9" dur="1" fill="hold">
                                           <p:stCondLst>
-                                            <p:cond delay="499"/>
+                                            <p:cond delay="0"/>
                                           </p:stCondLst>
                                         </p:cTn>
                                         <p:tgtEl>
-                                          <p:spTgt spid="12"/>
+                                          <p:spTgt spid="22"/>
                                         </p:tgtEl>
                                         <p:attrNameLst>
                                           <p:attrName>style.visibility</p:attrName>
                                         </p:attrNameLst>
                                       </p:cBhvr>
                                       <p:to>
-                                        <p:strVal val="hidden"/>
+                                        <p:strVal val="visible"/>
                                       </p:to>
                                     </p:set>
+                                    <p:animEffect transition="in" filter="fade">
+                                      <p:cBhvr>
+                                        <p:cTn id="10" dur="500"/>
+                                        <p:tgtEl>
+                                          <p:spTgt spid="22"/>
+                                        </p:tgtEl>
+                                      </p:cBhvr>
+                                    </p:animEffect>
                                   </p:childTnLst>
                                 </p:cTn>
                               </p:par>
                               <p:par>
-                                <p:cTn id="11" presetID="10" presetClass="exit" presetSubtype="0" fill="hold" grpId="1" nodeType="withEffect">
+                                <p:cTn id="11" presetID="10" presetClass="entr" presetSubtype="0" fill="hold" grpId="0" nodeType="withEffect">
                                   <p:stCondLst>
                                     <p:cond delay="0"/>
                                   </p:stCondLst>
                                   <p:childTnLst>
-                                    <p:animEffect transition="out" filter="fade">
-                                      <p:cBhvr>
-                                        <p:cTn id="12" dur="500"/>
-                                        <p:tgtEl>
-                                          <p:spTgt spid="13"/>
-                                        </p:tgtEl>
-                                      </p:cBhvr>
-                                    </p:animEffect>
                                     <p:set>
                                       <p:cBhvr>
-                                        <p:cTn id="13" dur="1" fill="hold">
+                                        <p:cTn id="12" dur="1" fill="hold">
                                           <p:stCondLst>
-                                            <p:cond delay="499"/>
+                                            <p:cond delay="0"/>
                                           </p:stCondLst>
                                         </p:cTn>
                                         <p:tgtEl>
-                                          <p:spTgt spid="13"/>
+                                          <p:spTgt spid="23"/>
                                         </p:tgtEl>
                                         <p:attrNameLst>
                                           <p:attrName>style.visibility</p:attrName>
                                         </p:attrNameLst>
                                       </p:cBhvr>
                                       <p:to>
-                                        <p:strVal val="hidden"/>
+                                        <p:strVal val="visible"/>
                                       </p:to>
                                     </p:set>
+                                    <p:animEffect transition="in" filter="fade">
+                                      <p:cBhvr>
+                                        <p:cTn id="13" dur="500"/>
+                                        <p:tgtEl>
+                                          <p:spTgt spid="23"/>
+                                        </p:tgtEl>
+                                      </p:cBhvr>
+                                    </p:animEffect>
                                   </p:childTnLst>
                                 </p:cTn>
                               </p:par>
@@ -6622,7 +6841,7 @@
                                       <p:cBhvr>
                                         <p:cTn id="15" dur="500"/>
                                         <p:tgtEl>
-                                          <p:spTgt spid="18"/>
+                                          <p:spTgt spid="12"/>
                                         </p:tgtEl>
                                       </p:cBhvr>
                                     </p:animEffect>
@@ -6634,7 +6853,7 @@
                                           </p:stCondLst>
                                         </p:cTn>
                                         <p:tgtEl>
-                                          <p:spTgt spid="18"/>
+                                          <p:spTgt spid="12"/>
                                         </p:tgtEl>
                                         <p:attrNameLst>
                                           <p:attrName>style.visibility</p:attrName>
@@ -6657,7 +6876,7 @@
                                       <p:cBhvr>
                                         <p:cTn id="18" dur="500"/>
                                         <p:tgtEl>
-                                          <p:spTgt spid="15"/>
+                                          <p:spTgt spid="13"/>
                                         </p:tgtEl>
                                       </p:cBhvr>
                                     </p:animEffect>
@@ -6669,7 +6888,7 @@
                                           </p:stCondLst>
                                         </p:cTn>
                                         <p:tgtEl>
-                                          <p:spTgt spid="15"/>
+                                          <p:spTgt spid="13"/>
                                         </p:tgtEl>
                                         <p:attrNameLst>
                                           <p:attrName>style.visibility</p:attrName>
@@ -6692,7 +6911,7 @@
                                       <p:cBhvr>
                                         <p:cTn id="21" dur="500"/>
                                         <p:tgtEl>
-                                          <p:spTgt spid="16"/>
+                                          <p:spTgt spid="18"/>
                                         </p:tgtEl>
                                       </p:cBhvr>
                                     </p:animEffect>
@@ -6704,7 +6923,7 @@
                                           </p:stCondLst>
                                         </p:cTn>
                                         <p:tgtEl>
-                                          <p:spTgt spid="16"/>
+                                          <p:spTgt spid="18"/>
                                         </p:tgtEl>
                                         <p:attrNameLst>
                                           <p:attrName>style.visibility</p:attrName>
@@ -6727,7 +6946,7 @@
                                       <p:cBhvr>
                                         <p:cTn id="24" dur="500"/>
                                         <p:tgtEl>
-                                          <p:spTgt spid="17"/>
+                                          <p:spTgt spid="15"/>
                                         </p:tgtEl>
                                       </p:cBhvr>
                                     </p:animEffect>
@@ -6739,7 +6958,7 @@
                                           </p:stCondLst>
                                         </p:cTn>
                                         <p:tgtEl>
-                                          <p:spTgt spid="17"/>
+                                          <p:spTgt spid="15"/>
                                         </p:tgtEl>
                                         <p:attrNameLst>
                                           <p:attrName>style.visibility</p:attrName>
@@ -6762,13 +6981,83 @@
                                       <p:cBhvr>
                                         <p:cTn id="27" dur="500"/>
                                         <p:tgtEl>
+                                          <p:spTgt spid="16"/>
+                                        </p:tgtEl>
+                                      </p:cBhvr>
+                                    </p:animEffect>
+                                    <p:set>
+                                      <p:cBhvr>
+                                        <p:cTn id="28" dur="1" fill="hold">
+                                          <p:stCondLst>
+                                            <p:cond delay="499"/>
+                                          </p:stCondLst>
+                                        </p:cTn>
+                                        <p:tgtEl>
+                                          <p:spTgt spid="16"/>
+                                        </p:tgtEl>
+                                        <p:attrNameLst>
+                                          <p:attrName>style.visibility</p:attrName>
+                                        </p:attrNameLst>
+                                      </p:cBhvr>
+                                      <p:to>
+                                        <p:strVal val="hidden"/>
+                                      </p:to>
+                                    </p:set>
+                                  </p:childTnLst>
+                                </p:cTn>
+                              </p:par>
+                              <p:par>
+                                <p:cTn id="29" presetID="10" presetClass="exit" presetSubtype="0" fill="hold" grpId="1" nodeType="withEffect">
+                                  <p:stCondLst>
+                                    <p:cond delay="0"/>
+                                  </p:stCondLst>
+                                  <p:childTnLst>
+                                    <p:animEffect transition="out" filter="fade">
+                                      <p:cBhvr>
+                                        <p:cTn id="30" dur="500"/>
+                                        <p:tgtEl>
+                                          <p:spTgt spid="17"/>
+                                        </p:tgtEl>
+                                      </p:cBhvr>
+                                    </p:animEffect>
+                                    <p:set>
+                                      <p:cBhvr>
+                                        <p:cTn id="31" dur="1" fill="hold">
+                                          <p:stCondLst>
+                                            <p:cond delay="499"/>
+                                          </p:stCondLst>
+                                        </p:cTn>
+                                        <p:tgtEl>
+                                          <p:spTgt spid="17"/>
+                                        </p:tgtEl>
+                                        <p:attrNameLst>
+                                          <p:attrName>style.visibility</p:attrName>
+                                        </p:attrNameLst>
+                                      </p:cBhvr>
+                                      <p:to>
+                                        <p:strVal val="hidden"/>
+                                      </p:to>
+                                    </p:set>
+                                  </p:childTnLst>
+                                </p:cTn>
+                              </p:par>
+                              <p:par>
+                                <p:cTn id="32" presetID="10" presetClass="exit" presetSubtype="0" fill="hold" nodeType="withEffect">
+                                  <p:stCondLst>
+                                    <p:cond delay="0"/>
+                                  </p:stCondLst>
+                                  <p:childTnLst>
+                                    <p:animEffect transition="out" filter="fade">
+                                      <p:cBhvr>
+                                        <p:cTn id="33" dur="500"/>
+                                        <p:tgtEl>
                                           <p:spTgt spid="19"/>
                                         </p:tgtEl>
                                       </p:cBhvr>
                                     </p:animEffect>
                                     <p:set>
                                       <p:cBhvr>
-                                        <p:cTn id="28" dur="1" fill="hold">
+                                        <p:cTn id="34" dur="1" fill="hold">
                                           <p:stCondLst>
                                             <p:cond delay="499"/>
                                           </p:stCondLst>
@@ -6784,6 +7073,146 @@
                                         <p:strVal val="hidden"/>
                                       </p:to>
                                     </p:set>
+                                  </p:childTnLst>
+                                </p:cTn>
+                              </p:par>
+                              <p:par>
+                                <p:cTn id="35" presetID="10" presetClass="entr" presetSubtype="0" fill="hold" grpId="0" nodeType="withEffect">
+                                  <p:stCondLst>
+                                    <p:cond delay="0"/>
+                                  </p:stCondLst>
+                                  <p:childTnLst>
+                                    <p:set>
+                                      <p:cBhvr>
+                                        <p:cTn id="36" dur="1" fill="hold">
+                                          <p:stCondLst>
+                                            <p:cond delay="0"/>
+                                          </p:stCondLst>
+                                        </p:cTn>
+                                        <p:tgtEl>
+                                          <p:spTgt spid="26"/>
+                                        </p:tgtEl>
+                                        <p:attrNameLst>
+                                          <p:attrName>style.visibility</p:attrName>
+                                        </p:attrNameLst>
+                                      </p:cBhvr>
+                                      <p:to>
+                                        <p:strVal val="visible"/>
+                                      </p:to>
+                                    </p:set>
+                                    <p:animEffect transition="in" filter="fade">
+                                      <p:cBhvr>
+                                        <p:cTn id="37" dur="500"/>
+                                        <p:tgtEl>
+                                          <p:spTgt spid="26"/>
+                                        </p:tgtEl>
+                                      </p:cBhvr>
+                                    </p:animEffect>
+                                  </p:childTnLst>
+                                </p:cTn>
+                              </p:par>
+                              <p:par>
+                                <p:cTn id="38" presetID="10" presetClass="entr" presetSubtype="0" fill="hold" grpId="0" nodeType="withEffect">
+                                  <p:stCondLst>
+                                    <p:cond delay="0"/>
+                                  </p:stCondLst>
+                                  <p:childTnLst>
+                                    <p:set>
+                                      <p:cBhvr>
+                                        <p:cTn id="39" dur="1" fill="hold">
+                                          <p:stCondLst>
+                                            <p:cond delay="0"/>
+                                          </p:stCondLst>
+                                        </p:cTn>
+                                        <p:tgtEl>
+                                          <p:spTgt spid="25"/>
+                                        </p:tgtEl>
+                                        <p:attrNameLst>
+                                          <p:attrName>style.visibility</p:attrName>
+                                        </p:attrNameLst>
+                                      </p:cBhvr>
+                                      <p:to>
+                                        <p:strVal val="visible"/>
+                                      </p:to>
+                                    </p:set>
+                                    <p:animEffect transition="in" filter="fade">
+                                      <p:cBhvr>
+                                        <p:cTn id="40" dur="500"/>
+                                        <p:tgtEl>
+                                          <p:spTgt spid="25"/>
+                                        </p:tgtEl>
+                                      </p:cBhvr>
+                                    </p:animEffect>
+                                  </p:childTnLst>
+                                </p:cTn>
+                              </p:par>
+                              <p:par>
+                                <p:cTn id="41" presetID="10" presetClass="entr" presetSubtype="0" fill="hold" grpId="0" nodeType="withEffect">
+                                  <p:stCondLst>
+                                    <p:cond delay="0"/>
+                                  </p:stCondLst>
+                                  <p:childTnLst>
+                                    <p:set>
+                                      <p:cBhvr>
+                                        <p:cTn id="42" dur="1" fill="hold">
+                                          <p:stCondLst>
+                                            <p:cond delay="0"/>
+                                          </p:stCondLst>
+                                        </p:cTn>
+                                        <p:tgtEl>
+                                          <p:spTgt spid="27"/>
+                                        </p:tgtEl>
+                                        <p:attrNameLst>
+                                          <p:attrName>style.visibility</p:attrName>
+                                        </p:attrNameLst>
+                                      </p:cBhvr>
+                                      <p:to>
+                                        <p:strVal val="visible"/>
+                                      </p:to>
+                                    </p:set>
+                                    <p:animEffect transition="in" filter="fade">
+                                      <p:cBhvr>
+                                        <p:cTn id="43" dur="500"/>
+                                        <p:tgtEl>
+                                          <p:spTgt spid="27"/>
+                                        </p:tgtEl>
+                                      </p:cBhvr>
+                                    </p:animEffect>
+                                  </p:childTnLst>
+                                </p:cTn>
+                              </p:par>
+                              <p:par>
+                                <p:cTn id="44" presetID="10" presetClass="entr" presetSubtype="0" fill="hold" grpId="0" nodeType="withEffect">
+                                  <p:stCondLst>
+                                    <p:cond delay="0"/>
+                                  </p:stCondLst>
+                                  <p:childTnLst>
+                                    <p:set>
+                                      <p:cBhvr>
+                                        <p:cTn id="45" dur="1" fill="hold">
+                                          <p:stCondLst>
+                                            <p:cond delay="0"/>
+                                          </p:stCondLst>
+                                        </p:cTn>
+                                        <p:tgtEl>
+                                          <p:spTgt spid="24"/>
+                                        </p:tgtEl>
+                                        <p:attrNameLst>
+                                          <p:attrName>style.visibility</p:attrName>
+                                        </p:attrNameLst>
+                                      </p:cBhvr>
+                                      <p:to>
+                                        <p:strVal val="visible"/>
+                                      </p:to>
+                                    </p:set>
+                                    <p:animEffect transition="in" filter="fade">
+                                      <p:cBhvr>
+                                        <p:cTn id="46" dur="500"/>
+                                        <p:tgtEl>
+                                          <p:spTgt spid="24"/>
+                                        </p:tgtEl>
+                                      </p:cBhvr>
+                                    </p:animEffect>
                                   </p:childTnLst>
                                 </p:cTn>
                               </p:par>
@@ -6815,9 +7244,15 @@
       </p:par>
     </p:tnLst>
     <p:bldLst>
+      <p:bldP spid="24" grpId="0" animBg="1"/>
       <p:bldP spid="13" grpId="1" animBg="1"/>
       <p:bldP spid="15" grpId="1" animBg="1"/>
       <p:bldP spid="17" grpId="1" animBg="1"/>
+      <p:bldP spid="22" grpId="0" animBg="1"/>
+      <p:bldP spid="23" grpId="0" animBg="1"/>
+      <p:bldP spid="25" grpId="0" animBg="1"/>
+      <p:bldP spid="26" grpId="0" animBg="1"/>
+      <p:bldP spid="27" grpId="0" animBg="1"/>
     </p:bldLst>
   </p:timing>
 </p:sld>

--- a/Docs/Presentations/Slides/#1-2 title intro problem desc.pptx
+++ b/Docs/Presentations/Slides/#1-2 title intro problem desc.pptx
@@ -5,7 +5,7 @@
     <p:sldMasterId id="2147483648" r:id="rId1"/>
   </p:sldMasterIdLst>
   <p:notesMasterIdLst>
-    <p:notesMasterId r:id="rId9"/>
+    <p:notesMasterId r:id="rId11"/>
   </p:notesMasterIdLst>
   <p:sldIdLst>
     <p:sldId id="263" r:id="rId2"/>
@@ -15,6 +15,8 @@
     <p:sldId id="267" r:id="rId6"/>
     <p:sldId id="262" r:id="rId7"/>
     <p:sldId id="268" r:id="rId8"/>
+    <p:sldId id="269" r:id="rId9"/>
+    <p:sldId id="270" r:id="rId10"/>
   </p:sldIdLst>
   <p:sldSz cx="12192000" cy="6858000"/>
   <p:notesSz cx="6858000" cy="9144000"/>
@@ -203,7 +205,7 @@
           <a:p>
             <a:fld id="{14BFF0CC-5B01-4470-8CA7-C9D1E9AD6242}" type="datetimeFigureOut">
               <a:rPr lang="en-US" smtClean="0"/>
-              <a:t>6/7/2017</a:t>
+              <a:t>6/8/2017</a:t>
             </a:fld>
             <a:endParaRPr lang="en-US"/>
           </a:p>
@@ -807,6 +809,210 @@
 </p:notes>
 </file>
 
+<file path=ppt/notesSlides/notesSlide5.xml><?xml version="1.0" encoding="utf-8"?>
+<p:notes xmlns:a="http://schemas.openxmlformats.org/drawingml/2006/main" xmlns:r="http://schemas.openxmlformats.org/officeDocument/2006/relationships" xmlns:p="http://schemas.openxmlformats.org/presentationml/2006/main">
+  <p:cSld>
+    <p:spTree>
+      <p:nvGrpSpPr>
+        <p:cNvPr id="1" name=""/>
+        <p:cNvGrpSpPr/>
+        <p:nvPr/>
+      </p:nvGrpSpPr>
+      <p:grpSpPr>
+        <a:xfrm>
+          <a:off x="0" y="0"/>
+          <a:ext cx="0" cy="0"/>
+          <a:chOff x="0" y="0"/>
+          <a:chExt cx="0" cy="0"/>
+        </a:xfrm>
+      </p:grpSpPr>
+      <p:sp>
+        <p:nvSpPr>
+          <p:cNvPr id="2" name="Slide Image Placeholder 1"/>
+          <p:cNvSpPr>
+            <a:spLocks noGrp="1" noRot="1" noChangeAspect="1"/>
+          </p:cNvSpPr>
+          <p:nvPr>
+            <p:ph type="sldImg"/>
+          </p:nvPr>
+        </p:nvSpPr>
+        <p:spPr/>
+      </p:sp>
+      <p:sp>
+        <p:nvSpPr>
+          <p:cNvPr id="3" name="Notes Placeholder 2"/>
+          <p:cNvSpPr>
+            <a:spLocks noGrp="1"/>
+          </p:cNvSpPr>
+          <p:nvPr>
+            <p:ph type="body" idx="1"/>
+          </p:nvPr>
+        </p:nvSpPr>
+        <p:spPr/>
+        <p:txBody>
+          <a:bodyPr/>
+          <a:lstStyle/>
+          <a:p>
+            <a:pPr marL="171450" indent="-171450">
+              <a:buFontTx/>
+              <a:buChar char="-"/>
+            </a:pPr>
+            <a:r>
+              <a:rPr lang="en-US" sz="1400" dirty="0" smtClean="0"/>
+              <a:t>literature review to narrow the region of interest. (Don’t solve problems we don’t have to)</a:t>
+            </a:r>
+          </a:p>
+          <a:p>
+            <a:pPr marL="0" indent="0">
+              <a:buFontTx/>
+              <a:buNone/>
+            </a:pPr>
+            <a:endParaRPr lang="en-US" sz="1400" b="0" baseline="0" dirty="0" smtClean="0"/>
+          </a:p>
+          <a:p>
+            <a:pPr marL="0" indent="0">
+              <a:buFontTx/>
+              <a:buNone/>
+            </a:pPr>
+            <a:r>
+              <a:rPr lang="en-US" sz="1400" b="1" baseline="0" dirty="0" smtClean="0"/>
+              <a:t>Scientific computing </a:t>
+            </a:r>
+            <a:r>
+              <a:rPr lang="en-US" sz="1400" baseline="0" dirty="0" smtClean="0"/>
+              <a:t>as an example of using tools to implement theory OR IDEAS. </a:t>
+            </a:r>
+            <a:r>
+              <a:rPr lang="en-US" sz="1400" baseline="0" dirty="0" err="1" smtClean="0"/>
+              <a:t>Matercam</a:t>
+            </a:r>
+            <a:r>
+              <a:rPr lang="en-US" sz="1400" baseline="0" dirty="0" smtClean="0"/>
+              <a:t>, SW, Python, Arduino</a:t>
+            </a:r>
+          </a:p>
+          <a:p>
+            <a:pPr marL="0" indent="0">
+              <a:buFontTx/>
+              <a:buNone/>
+            </a:pPr>
+            <a:endParaRPr lang="en-US" sz="1400" baseline="0" dirty="0" smtClean="0"/>
+          </a:p>
+          <a:p>
+            <a:pPr marL="628650" lvl="1" indent="-171450">
+              <a:buFontTx/>
+              <a:buChar char="-"/>
+            </a:pPr>
+            <a:r>
+              <a:rPr lang="en-US" sz="1400" baseline="0" dirty="0" smtClean="0"/>
+              <a:t>Allows us to make calculations (OR DESIGNS) over a wide range of values and explore a little. </a:t>
+            </a:r>
+          </a:p>
+          <a:p>
+            <a:pPr marL="628650" lvl="1" indent="-171450">
+              <a:buFontTx/>
+              <a:buChar char="-"/>
+            </a:pPr>
+            <a:r>
+              <a:rPr lang="en-US" sz="1400" baseline="0" dirty="0" smtClean="0"/>
+              <a:t>We can iteratively develop</a:t>
+            </a:r>
+          </a:p>
+          <a:p>
+            <a:pPr marL="628650" lvl="1" indent="-171450">
+              <a:buFontTx/>
+              <a:buChar char="-"/>
+            </a:pPr>
+            <a:endParaRPr lang="en-US" sz="1400" baseline="0" dirty="0" smtClean="0"/>
+          </a:p>
+          <a:p>
+            <a:pPr marL="457200" lvl="1" indent="0">
+              <a:buFontTx/>
+              <a:buNone/>
+            </a:pPr>
+            <a:r>
+              <a:rPr lang="en-US" sz="1400" baseline="0" dirty="0" smtClean="0"/>
+              <a:t>note:</a:t>
+            </a:r>
+          </a:p>
+          <a:p>
+            <a:pPr marL="457200" lvl="1" indent="0">
+              <a:buFontTx/>
+              <a:buNone/>
+            </a:pPr>
+            <a:endParaRPr lang="en-US" sz="1400" baseline="0" dirty="0" smtClean="0"/>
+          </a:p>
+          <a:p>
+            <a:pPr marL="457200" lvl="1" indent="0">
+              <a:buFontTx/>
+              <a:buNone/>
+            </a:pPr>
+            <a:r>
+              <a:rPr lang="en-US" sz="1400" baseline="0" dirty="0" smtClean="0"/>
+              <a:t>Guessing is cheaper</a:t>
+            </a:r>
+          </a:p>
+          <a:p>
+            <a:pPr marL="457200" lvl="1" indent="0">
+              <a:buFontTx/>
+              <a:buNone/>
+            </a:pPr>
+            <a:endParaRPr lang="en-US" sz="1400" baseline="0" dirty="0" smtClean="0"/>
+          </a:p>
+          <a:p>
+            <a:pPr marL="457200" lvl="1" indent="0">
+              <a:buFontTx/>
+              <a:buNone/>
+            </a:pPr>
+            <a:r>
+              <a:rPr lang="en-US" sz="1400" baseline="0" dirty="0" smtClean="0"/>
+              <a:t>If best head coeff is between 0.5 and 1 we use 0.75  </a:t>
+            </a:r>
+            <a:r>
+              <a:rPr lang="en-US" sz="1400" baseline="0" dirty="0" smtClean="0">
+                <a:sym typeface="Wingdings" panose="05000000000000000000" pitchFamily="2" charset="2"/>
+              </a:rPr>
+              <a:t></a:t>
+            </a:r>
+          </a:p>
+        </p:txBody>
+      </p:sp>
+      <p:sp>
+        <p:nvSpPr>
+          <p:cNvPr id="4" name="Slide Number Placeholder 3"/>
+          <p:cNvSpPr>
+            <a:spLocks noGrp="1"/>
+          </p:cNvSpPr>
+          <p:nvPr>
+            <p:ph type="sldNum" sz="quarter" idx="10"/>
+          </p:nvPr>
+        </p:nvSpPr>
+        <p:spPr/>
+        <p:txBody>
+          <a:bodyPr/>
+          <a:lstStyle/>
+          <a:p>
+            <a:fld id="{41270EAE-2722-4055-9DC6-0148D79BD176}" type="slidenum">
+              <a:rPr lang="en-US" smtClean="0"/>
+              <a:t>9</a:t>
+            </a:fld>
+            <a:endParaRPr lang="en-US"/>
+          </a:p>
+        </p:txBody>
+      </p:sp>
+    </p:spTree>
+    <p:extLst>
+      <p:ext uri="{BB962C8B-B14F-4D97-AF65-F5344CB8AC3E}">
+        <p14:creationId xmlns:p14="http://schemas.microsoft.com/office/powerpoint/2010/main" val="1068063400"/>
+      </p:ext>
+    </p:extLst>
+  </p:cSld>
+  <p:clrMapOvr>
+    <a:masterClrMapping/>
+  </p:clrMapOvr>
+</p:notes>
+</file>
+
 <file path=ppt/slideLayouts/slideLayout1.xml><?xml version="1.0" encoding="utf-8"?>
 <p:sldLayout xmlns:a="http://schemas.openxmlformats.org/drawingml/2006/main" xmlns:r="http://schemas.openxmlformats.org/officeDocument/2006/relationships" xmlns:p="http://schemas.openxmlformats.org/presentationml/2006/main" type="title" preserve="1">
   <p:cSld name="Title Slide">
@@ -938,7 +1144,7 @@
           <a:p>
             <a:fld id="{7A86BFDC-CB2E-4CD9-A8D5-EE81BFCCCB9E}" type="datetimeFigureOut">
               <a:rPr lang="en-US" smtClean="0"/>
-              <a:t>6/7/2017</a:t>
+              <a:t>6/8/2017</a:t>
             </a:fld>
             <a:endParaRPr lang="en-US"/>
           </a:p>
@@ -1108,7 +1314,7 @@
           <a:p>
             <a:fld id="{7A86BFDC-CB2E-4CD9-A8D5-EE81BFCCCB9E}" type="datetimeFigureOut">
               <a:rPr lang="en-US" smtClean="0"/>
-              <a:t>6/7/2017</a:t>
+              <a:t>6/8/2017</a:t>
             </a:fld>
             <a:endParaRPr lang="en-US"/>
           </a:p>
@@ -1288,7 +1494,7 @@
           <a:p>
             <a:fld id="{7A86BFDC-CB2E-4CD9-A8D5-EE81BFCCCB9E}" type="datetimeFigureOut">
               <a:rPr lang="en-US" smtClean="0"/>
-              <a:t>6/7/2017</a:t>
+              <a:t>6/8/2017</a:t>
             </a:fld>
             <a:endParaRPr lang="en-US"/>
           </a:p>
@@ -1458,7 +1664,7 @@
           <a:p>
             <a:fld id="{7A86BFDC-CB2E-4CD9-A8D5-EE81BFCCCB9E}" type="datetimeFigureOut">
               <a:rPr lang="en-US" smtClean="0"/>
-              <a:t>6/7/2017</a:t>
+              <a:t>6/8/2017</a:t>
             </a:fld>
             <a:endParaRPr lang="en-US"/>
           </a:p>
@@ -1704,7 +1910,7 @@
           <a:p>
             <a:fld id="{7A86BFDC-CB2E-4CD9-A8D5-EE81BFCCCB9E}" type="datetimeFigureOut">
               <a:rPr lang="en-US" smtClean="0"/>
-              <a:t>6/7/2017</a:t>
+              <a:t>6/8/2017</a:t>
             </a:fld>
             <a:endParaRPr lang="en-US"/>
           </a:p>
@@ -1936,7 +2142,7 @@
           <a:p>
             <a:fld id="{7A86BFDC-CB2E-4CD9-A8D5-EE81BFCCCB9E}" type="datetimeFigureOut">
               <a:rPr lang="en-US" smtClean="0"/>
-              <a:t>6/7/2017</a:t>
+              <a:t>6/8/2017</a:t>
             </a:fld>
             <a:endParaRPr lang="en-US"/>
           </a:p>
@@ -2303,7 +2509,7 @@
           <a:p>
             <a:fld id="{7A86BFDC-CB2E-4CD9-A8D5-EE81BFCCCB9E}" type="datetimeFigureOut">
               <a:rPr lang="en-US" smtClean="0"/>
-              <a:t>6/7/2017</a:t>
+              <a:t>6/8/2017</a:t>
             </a:fld>
             <a:endParaRPr lang="en-US"/>
           </a:p>
@@ -2421,7 +2627,7 @@
           <a:p>
             <a:fld id="{7A86BFDC-CB2E-4CD9-A8D5-EE81BFCCCB9E}" type="datetimeFigureOut">
               <a:rPr lang="en-US" smtClean="0"/>
-              <a:t>6/7/2017</a:t>
+              <a:t>6/8/2017</a:t>
             </a:fld>
             <a:endParaRPr lang="en-US"/>
           </a:p>
@@ -2516,7 +2722,7 @@
           <a:p>
             <a:fld id="{7A86BFDC-CB2E-4CD9-A8D5-EE81BFCCCB9E}" type="datetimeFigureOut">
               <a:rPr lang="en-US" smtClean="0"/>
-              <a:t>6/7/2017</a:t>
+              <a:t>6/8/2017</a:t>
             </a:fld>
             <a:endParaRPr lang="en-US"/>
           </a:p>
@@ -2793,7 +2999,7 @@
           <a:p>
             <a:fld id="{7A86BFDC-CB2E-4CD9-A8D5-EE81BFCCCB9E}" type="datetimeFigureOut">
               <a:rPr lang="en-US" smtClean="0"/>
-              <a:t>6/7/2017</a:t>
+              <a:t>6/8/2017</a:t>
             </a:fld>
             <a:endParaRPr lang="en-US"/>
           </a:p>
@@ -3046,7 +3252,7 @@
           <a:p>
             <a:fld id="{7A86BFDC-CB2E-4CD9-A8D5-EE81BFCCCB9E}" type="datetimeFigureOut">
               <a:rPr lang="en-US" smtClean="0"/>
-              <a:t>6/7/2017</a:t>
+              <a:t>6/8/2017</a:t>
             </a:fld>
             <a:endParaRPr lang="en-US"/>
           </a:p>
@@ -3259,7 +3465,7 @@
           <a:p>
             <a:fld id="{7A86BFDC-CB2E-4CD9-A8D5-EE81BFCCCB9E}" type="datetimeFigureOut">
               <a:rPr lang="en-US" smtClean="0"/>
-              <a:t>6/7/2017</a:t>
+              <a:t>6/8/2017</a:t>
             </a:fld>
             <a:endParaRPr lang="en-US"/>
           </a:p>
@@ -6165,9 +6371,6 @@
               </a:rPr>
               <a:t>https://www.digikey.com/</a:t>
             </a:r>
-            <a:endParaRPr lang="en-US" sz="1200" dirty="0">
-              <a:latin typeface="Garamond" panose="02020404030301010803" pitchFamily="18" charset="0"/>
-            </a:endParaRPr>
           </a:p>
         </p:txBody>
       </p:sp>
@@ -7397,43 +7600,33 @@
                 <a:latin typeface="Garamond" panose="02020404030301010803" pitchFamily="18" charset="0"/>
                 <a:cs typeface="Times New Roman" panose="02020603050405020304" pitchFamily="18" charset="0"/>
               </a:rPr>
-              <a:t>Design a test pump to try to meet PSAS’ </a:t>
-            </a:r>
-            <a:r>
-              <a:rPr lang="en-US" dirty="0">
-                <a:latin typeface="Garamond" panose="02020404030301010803" pitchFamily="18" charset="0"/>
-                <a:cs typeface="Times New Roman" panose="02020603050405020304" pitchFamily="18" charset="0"/>
-              </a:rPr>
-              <a:t>requirements </a:t>
+              <a:t>Design a test </a:t>
             </a:r>
             <a:r>
               <a:rPr lang="en-US" dirty="0" smtClean="0">
                 <a:latin typeface="Garamond" panose="02020404030301010803" pitchFamily="18" charset="0"/>
                 <a:cs typeface="Times New Roman" panose="02020603050405020304" pitchFamily="18" charset="0"/>
               </a:rPr>
-              <a:t>(~400 </a:t>
-            </a:r>
-            <a:r>
-              <a:rPr lang="en-US" dirty="0">
-                <a:latin typeface="Garamond" panose="02020404030301010803" pitchFamily="18" charset="0"/>
-                <a:cs typeface="Times New Roman" panose="02020603050405020304" pitchFamily="18" charset="0"/>
-              </a:rPr>
-              <a:t>psi at 12 </a:t>
-            </a:r>
-            <a:r>
-              <a:rPr lang="en-US" dirty="0" err="1" smtClean="0">
-                <a:latin typeface="Garamond" panose="02020404030301010803" pitchFamily="18" charset="0"/>
-                <a:cs typeface="Times New Roman" panose="02020603050405020304" pitchFamily="18" charset="0"/>
-              </a:rPr>
-              <a:t>gpm</a:t>
+              <a:t>pump to </a:t>
             </a:r>
             <a:r>
               <a:rPr lang="en-US" dirty="0" smtClean="0">
                 <a:latin typeface="Garamond" panose="02020404030301010803" pitchFamily="18" charset="0"/>
                 <a:cs typeface="Times New Roman" panose="02020603050405020304" pitchFamily="18" charset="0"/>
               </a:rPr>
-              <a:t>)</a:t>
-            </a:r>
+              <a:t>meet PSAS’ </a:t>
+            </a:r>
+            <a:r>
+              <a:rPr lang="en-US" dirty="0" smtClean="0">
+                <a:latin typeface="Garamond" panose="02020404030301010803" pitchFamily="18" charset="0"/>
+                <a:cs typeface="Times New Roman" panose="02020603050405020304" pitchFamily="18" charset="0"/>
+              </a:rPr>
+              <a:t>requirements.</a:t>
+            </a:r>
+            <a:endParaRPr lang="en-US" dirty="0" smtClean="0">
+              <a:latin typeface="Garamond" panose="02020404030301010803" pitchFamily="18" charset="0"/>
+              <a:cs typeface="Times New Roman" panose="02020603050405020304" pitchFamily="18" charset="0"/>
+            </a:endParaRPr>
           </a:p>
           <a:p>
             <a:r>
@@ -7551,6 +7744,1915 @@
       </p:transition>
     </mc:Fallback>
   </mc:AlternateContent>
+  <p:timing>
+    <p:tnLst>
+      <p:par>
+        <p:cTn id="1" dur="indefinite" restart="never" nodeType="tmRoot"/>
+      </p:par>
+    </p:tnLst>
+  </p:timing>
+</p:sld>
+</file>
+
+<file path=ppt/slides/slide8.xml><?xml version="1.0" encoding="utf-8"?>
+<p:sld xmlns:a="http://schemas.openxmlformats.org/drawingml/2006/main" xmlns:r="http://schemas.openxmlformats.org/officeDocument/2006/relationships" xmlns:p="http://schemas.openxmlformats.org/presentationml/2006/main">
+  <p:cSld>
+    <p:spTree>
+      <p:nvGrpSpPr>
+        <p:cNvPr id="1" name=""/>
+        <p:cNvGrpSpPr/>
+        <p:nvPr/>
+      </p:nvGrpSpPr>
+      <p:grpSpPr>
+        <a:xfrm>
+          <a:off x="0" y="0"/>
+          <a:ext cx="0" cy="0"/>
+          <a:chOff x="0" y="0"/>
+          <a:chExt cx="0" cy="0"/>
+        </a:xfrm>
+      </p:grpSpPr>
+      <p:sp>
+        <p:nvSpPr>
+          <p:cNvPr id="14" name="Title 1"/>
+          <p:cNvSpPr txBox="1">
+            <a:spLocks/>
+          </p:cNvSpPr>
+          <p:nvPr/>
+        </p:nvSpPr>
+        <p:spPr>
+          <a:xfrm>
+            <a:off x="775854" y="0"/>
+            <a:ext cx="10515600" cy="602673"/>
+          </a:xfrm>
+          <a:prstGeom prst="rect">
+            <a:avLst/>
+          </a:prstGeom>
+        </p:spPr>
+        <p:txBody>
+          <a:bodyPr vert="horz" lIns="91440" tIns="45720" rIns="91440" bIns="45720" rtlCol="0" anchor="b">
+            <a:noAutofit/>
+          </a:bodyPr>
+          <a:lstStyle>
+            <a:lvl1pPr algn="ctr" defTabSz="914400" rtl="0" eaLnBrk="1" latinLnBrk="0" hangingPunct="1">
+              <a:lnSpc>
+                <a:spcPct val="90000"/>
+              </a:lnSpc>
+              <a:spcBef>
+                <a:spcPct val="0"/>
+              </a:spcBef>
+              <a:buNone/>
+              <a:defRPr sz="6000" kern="1200">
+                <a:solidFill>
+                  <a:schemeClr val="tx1"/>
+                </a:solidFill>
+                <a:latin typeface="+mj-lt"/>
+                <a:ea typeface="+mj-ea"/>
+                <a:cs typeface="+mj-cs"/>
+              </a:defRPr>
+            </a:lvl1pPr>
+          </a:lstStyle>
+          <a:p>
+            <a:r>
+              <a:rPr lang="en-US" sz="3200" dirty="0" smtClean="0">
+                <a:latin typeface="Garamond" panose="02020404030301010803" pitchFamily="18" charset="0"/>
+              </a:rPr>
+              <a:t>Customer Requirements</a:t>
+            </a:r>
+            <a:endParaRPr lang="en-US" sz="3200" dirty="0">
+              <a:latin typeface="Garamond" panose="02020404030301010803" pitchFamily="18" charset="0"/>
+            </a:endParaRPr>
+          </a:p>
+        </p:txBody>
+      </p:sp>
+      <p:cxnSp>
+        <p:nvCxnSpPr>
+          <p:cNvPr id="20" name="Straight Connector 19"/>
+          <p:cNvCxnSpPr/>
+          <p:nvPr/>
+        </p:nvCxnSpPr>
+        <p:spPr>
+          <a:xfrm>
+            <a:off x="519545" y="644238"/>
+            <a:ext cx="11055928" cy="0"/>
+          </a:xfrm>
+          <a:prstGeom prst="line">
+            <a:avLst/>
+          </a:prstGeom>
+        </p:spPr>
+        <p:style>
+          <a:lnRef idx="1">
+            <a:schemeClr val="dk1"/>
+          </a:lnRef>
+          <a:fillRef idx="0">
+            <a:schemeClr val="dk1"/>
+          </a:fillRef>
+          <a:effectRef idx="0">
+            <a:schemeClr val="dk1"/>
+          </a:effectRef>
+          <a:fontRef idx="minor">
+            <a:schemeClr val="tx1"/>
+          </a:fontRef>
+        </p:style>
+      </p:cxnSp>
+      <p:graphicFrame>
+        <p:nvGraphicFramePr>
+          <p:cNvPr id="3" name="Table 2"/>
+          <p:cNvGraphicFramePr>
+            <a:graphicFrameLocks noGrp="1"/>
+          </p:cNvGraphicFramePr>
+          <p:nvPr>
+            <p:extLst>
+              <p:ext uri="{D42A27DB-BD31-4B8C-83A1-F6EECF244321}">
+                <p14:modId xmlns:p14="http://schemas.microsoft.com/office/powerpoint/2010/main" val="4036736339"/>
+              </p:ext>
+            </p:extLst>
+          </p:nvPr>
+        </p:nvGraphicFramePr>
+        <p:xfrm>
+          <a:off x="775854" y="722417"/>
+          <a:ext cx="10515600" cy="4972048"/>
+        </p:xfrm>
+        <a:graphic>
+          <a:graphicData uri="http://schemas.openxmlformats.org/drawingml/2006/table">
+            <a:tbl>
+              <a:tblPr firstRow="1" bandRow="1">
+                <a:tableStyleId>{5940675A-B579-460E-94D1-54222C63F5DA}</a:tableStyleId>
+              </a:tblPr>
+              <a:tblGrid>
+                <a:gridCol w="5257800">
+                  <a:extLst>
+                    <a:ext uri="{9D8B030D-6E8A-4147-A177-3AD203B41FA5}">
+                      <a16:colId xmlns:a16="http://schemas.microsoft.com/office/drawing/2014/main" val="1352121697"/>
+                    </a:ext>
+                  </a:extLst>
+                </a:gridCol>
+                <a:gridCol w="5257800">
+                  <a:extLst>
+                    <a:ext uri="{9D8B030D-6E8A-4147-A177-3AD203B41FA5}">
+                      <a16:colId xmlns:a16="http://schemas.microsoft.com/office/drawing/2014/main" val="1765404803"/>
+                    </a:ext>
+                  </a:extLst>
+                </a:gridCol>
+              </a:tblGrid>
+              <a:tr h="960149">
+                <a:tc>
+                  <a:txBody>
+                    <a:bodyPr/>
+                    <a:lstStyle/>
+                    <a:p>
+                      <a:r>
+                        <a:rPr lang="en-US" sz="2400" b="1" dirty="0" smtClean="0">
+                          <a:latin typeface="Garamond" panose="02020404030301010803" pitchFamily="18" charset="0"/>
+                        </a:rPr>
+                        <a:t>Pressure delivery</a:t>
+                      </a:r>
+                      <a:endParaRPr lang="en-US" sz="2400" b="1" dirty="0">
+                        <a:latin typeface="Garamond" panose="02020404030301010803" pitchFamily="18" charset="0"/>
+                      </a:endParaRPr>
+                    </a:p>
+                  </a:txBody>
+                  <a:tcPr>
+                    <a:lnL w="12700" cap="flat" cmpd="sng" algn="ctr">
+                      <a:noFill/>
+                      <a:prstDash val="solid"/>
+                      <a:round/>
+                      <a:headEnd type="none" w="med" len="med"/>
+                      <a:tailEnd type="none" w="med" len="med"/>
+                    </a:lnL>
+                    <a:lnR w="12700" cap="flat" cmpd="sng" algn="ctr">
+                      <a:noFill/>
+                      <a:prstDash val="solid"/>
+                      <a:round/>
+                      <a:headEnd type="none" w="med" len="med"/>
+                      <a:tailEnd type="none" w="med" len="med"/>
+                    </a:lnR>
+                    <a:lnT w="12700" cmpd="sng">
+                      <a:noFill/>
+                    </a:lnT>
+                    <a:lnB w="12700" cap="flat" cmpd="sng" algn="ctr">
+                      <a:solidFill>
+                        <a:schemeClr val="tx1"/>
+                      </a:solidFill>
+                      <a:prstDash val="solid"/>
+                      <a:round/>
+                      <a:headEnd type="none" w="med" len="med"/>
+                      <a:tailEnd type="none" w="med" len="med"/>
+                    </a:lnB>
+                    <a:lnTlToBr w="12700" cmpd="sng">
+                      <a:noFill/>
+                      <a:prstDash val="solid"/>
+                    </a:lnTlToBr>
+                    <a:lnBlToTr w="12700" cmpd="sng">
+                      <a:noFill/>
+                      <a:prstDash val="solid"/>
+                    </a:lnBlToTr>
+                  </a:tcPr>
+                </a:tc>
+                <a:tc>
+                  <a:txBody>
+                    <a:bodyPr/>
+                    <a:lstStyle/>
+                    <a:p>
+                      <a:r>
+                        <a:rPr lang="en-US" sz="2400" dirty="0" smtClean="0">
+                          <a:latin typeface="Garamond" panose="02020404030301010803" pitchFamily="18" charset="0"/>
+                        </a:rPr>
+                        <a:t>Must produce discharge pressures</a:t>
+                      </a:r>
+                      <a:r>
+                        <a:rPr lang="en-US" sz="2400" baseline="0" dirty="0" smtClean="0">
+                          <a:latin typeface="Garamond" panose="02020404030301010803" pitchFamily="18" charset="0"/>
+                        </a:rPr>
+                        <a:t> of 300-400 psi.</a:t>
+                      </a:r>
+                      <a:endParaRPr lang="en-US" sz="2400" dirty="0">
+                        <a:latin typeface="Garamond" panose="02020404030301010803" pitchFamily="18" charset="0"/>
+                      </a:endParaRPr>
+                    </a:p>
+                  </a:txBody>
+                  <a:tcPr>
+                    <a:lnL w="12700" cap="flat" cmpd="sng" algn="ctr">
+                      <a:noFill/>
+                      <a:prstDash val="solid"/>
+                      <a:round/>
+                      <a:headEnd type="none" w="med" len="med"/>
+                      <a:tailEnd type="none" w="med" len="med"/>
+                    </a:lnL>
+                    <a:lnR w="12700" cap="flat" cmpd="sng" algn="ctr">
+                      <a:noFill/>
+                      <a:prstDash val="solid"/>
+                      <a:round/>
+                      <a:headEnd type="none" w="med" len="med"/>
+                      <a:tailEnd type="none" w="med" len="med"/>
+                    </a:lnR>
+                    <a:lnT w="12700" cmpd="sng">
+                      <a:noFill/>
+                    </a:lnT>
+                    <a:lnB w="12700" cap="flat" cmpd="sng" algn="ctr">
+                      <a:solidFill>
+                        <a:schemeClr val="tx1"/>
+                      </a:solidFill>
+                      <a:prstDash val="solid"/>
+                      <a:round/>
+                      <a:headEnd type="none" w="med" len="med"/>
+                      <a:tailEnd type="none" w="med" len="med"/>
+                    </a:lnB>
+                    <a:lnTlToBr w="12700" cmpd="sng">
+                      <a:noFill/>
+                      <a:prstDash val="solid"/>
+                    </a:lnTlToBr>
+                    <a:lnBlToTr w="12700" cmpd="sng">
+                      <a:noFill/>
+                      <a:prstDash val="solid"/>
+                    </a:lnBlToTr>
+                  </a:tcPr>
+                </a:tc>
+                <a:extLst>
+                  <a:ext uri="{0D108BD9-81ED-4DB2-BD59-A6C34878D82A}">
+                    <a16:rowId xmlns:a16="http://schemas.microsoft.com/office/drawing/2014/main" val="4084824683"/>
+                  </a:ext>
+                </a:extLst>
+              </a:tr>
+              <a:tr h="960149">
+                <a:tc>
+                  <a:txBody>
+                    <a:bodyPr/>
+                    <a:lstStyle/>
+                    <a:p>
+                      <a:r>
+                        <a:rPr lang="en-US" sz="2400" b="1" dirty="0" smtClean="0">
+                          <a:latin typeface="Garamond" panose="02020404030301010803" pitchFamily="18" charset="0"/>
+                        </a:rPr>
+                        <a:t>Flow capacity</a:t>
+                      </a:r>
+                      <a:endParaRPr lang="en-US" sz="2400" b="1" dirty="0">
+                        <a:latin typeface="Garamond" panose="02020404030301010803" pitchFamily="18" charset="0"/>
+                      </a:endParaRPr>
+                    </a:p>
+                  </a:txBody>
+                  <a:tcPr>
+                    <a:lnL w="12700" cap="flat" cmpd="sng" algn="ctr">
+                      <a:noFill/>
+                      <a:prstDash val="solid"/>
+                      <a:round/>
+                      <a:headEnd type="none" w="med" len="med"/>
+                      <a:tailEnd type="none" w="med" len="med"/>
+                    </a:lnL>
+                    <a:lnR w="12700" cap="flat" cmpd="sng" algn="ctr">
+                      <a:noFill/>
+                      <a:prstDash val="solid"/>
+                      <a:round/>
+                      <a:headEnd type="none" w="med" len="med"/>
+                      <a:tailEnd type="none" w="med" len="med"/>
+                    </a:lnR>
+                    <a:lnT w="12700" cap="flat" cmpd="sng" algn="ctr">
+                      <a:solidFill>
+                        <a:schemeClr val="tx1"/>
+                      </a:solidFill>
+                      <a:prstDash val="solid"/>
+                      <a:round/>
+                      <a:headEnd type="none" w="med" len="med"/>
+                      <a:tailEnd type="none" w="med" len="med"/>
+                    </a:lnT>
+                    <a:lnB w="12700" cap="flat" cmpd="sng" algn="ctr">
+                      <a:solidFill>
+                        <a:schemeClr val="tx1"/>
+                      </a:solidFill>
+                      <a:prstDash val="solid"/>
+                      <a:round/>
+                      <a:headEnd type="none" w="med" len="med"/>
+                      <a:tailEnd type="none" w="med" len="med"/>
+                    </a:lnB>
+                    <a:lnTlToBr w="12700" cmpd="sng">
+                      <a:noFill/>
+                      <a:prstDash val="solid"/>
+                    </a:lnTlToBr>
+                    <a:lnBlToTr w="12700" cmpd="sng">
+                      <a:noFill/>
+                      <a:prstDash val="solid"/>
+                    </a:lnBlToTr>
+                  </a:tcPr>
+                </a:tc>
+                <a:tc>
+                  <a:txBody>
+                    <a:bodyPr/>
+                    <a:lstStyle/>
+                    <a:p>
+                      <a:r>
+                        <a:rPr lang="en-US" sz="2400" dirty="0" smtClean="0">
+                          <a:latin typeface="Garamond" panose="02020404030301010803" pitchFamily="18" charset="0"/>
+                        </a:rPr>
+                        <a:t>Must supply a flow rate of ~12 </a:t>
+                      </a:r>
+                      <a:r>
+                        <a:rPr lang="en-US" sz="2400" dirty="0" err="1" smtClean="0">
+                          <a:latin typeface="Garamond" panose="02020404030301010803" pitchFamily="18" charset="0"/>
+                        </a:rPr>
+                        <a:t>gpm</a:t>
+                      </a:r>
+                      <a:r>
+                        <a:rPr lang="en-US" sz="2400" dirty="0" smtClean="0">
+                          <a:latin typeface="Garamond" panose="02020404030301010803" pitchFamily="18" charset="0"/>
+                        </a:rPr>
+                        <a:t>.</a:t>
+                      </a:r>
+                      <a:endParaRPr lang="en-US" sz="2400" dirty="0">
+                        <a:latin typeface="Garamond" panose="02020404030301010803" pitchFamily="18" charset="0"/>
+                      </a:endParaRPr>
+                    </a:p>
+                  </a:txBody>
+                  <a:tcPr>
+                    <a:lnL w="12700" cap="flat" cmpd="sng" algn="ctr">
+                      <a:noFill/>
+                      <a:prstDash val="solid"/>
+                      <a:round/>
+                      <a:headEnd type="none" w="med" len="med"/>
+                      <a:tailEnd type="none" w="med" len="med"/>
+                    </a:lnL>
+                    <a:lnR w="12700" cap="flat" cmpd="sng" algn="ctr">
+                      <a:noFill/>
+                      <a:prstDash val="solid"/>
+                      <a:round/>
+                      <a:headEnd type="none" w="med" len="med"/>
+                      <a:tailEnd type="none" w="med" len="med"/>
+                    </a:lnR>
+                    <a:lnT w="12700" cap="flat" cmpd="sng" algn="ctr">
+                      <a:solidFill>
+                        <a:schemeClr val="tx1"/>
+                      </a:solidFill>
+                      <a:prstDash val="solid"/>
+                      <a:round/>
+                      <a:headEnd type="none" w="med" len="med"/>
+                      <a:tailEnd type="none" w="med" len="med"/>
+                    </a:lnT>
+                    <a:lnB w="12700" cap="flat" cmpd="sng" algn="ctr">
+                      <a:solidFill>
+                        <a:schemeClr val="tx1"/>
+                      </a:solidFill>
+                      <a:prstDash val="solid"/>
+                      <a:round/>
+                      <a:headEnd type="none" w="med" len="med"/>
+                      <a:tailEnd type="none" w="med" len="med"/>
+                    </a:lnB>
+                    <a:lnTlToBr w="12700" cmpd="sng">
+                      <a:noFill/>
+                      <a:prstDash val="solid"/>
+                    </a:lnTlToBr>
+                    <a:lnBlToTr w="12700" cmpd="sng">
+                      <a:noFill/>
+                      <a:prstDash val="solid"/>
+                    </a:lnBlToTr>
+                  </a:tcPr>
+                </a:tc>
+                <a:extLst>
+                  <a:ext uri="{0D108BD9-81ED-4DB2-BD59-A6C34878D82A}">
+                    <a16:rowId xmlns:a16="http://schemas.microsoft.com/office/drawing/2014/main" val="3709855363"/>
+                  </a:ext>
+                </a:extLst>
+              </a:tr>
+              <a:tr h="960149">
+                <a:tc>
+                  <a:txBody>
+                    <a:bodyPr/>
+                    <a:lstStyle/>
+                    <a:p>
+                      <a:r>
+                        <a:rPr lang="en-US" sz="2400" b="1" dirty="0" smtClean="0">
+                          <a:latin typeface="Garamond" panose="02020404030301010803" pitchFamily="18" charset="0"/>
+                        </a:rPr>
+                        <a:t>Transferability </a:t>
+                      </a:r>
+                      <a:endParaRPr lang="en-US" sz="2400" b="1" dirty="0">
+                        <a:latin typeface="Garamond" panose="02020404030301010803" pitchFamily="18" charset="0"/>
+                      </a:endParaRPr>
+                    </a:p>
+                  </a:txBody>
+                  <a:tcPr>
+                    <a:lnL w="12700" cap="flat" cmpd="sng" algn="ctr">
+                      <a:noFill/>
+                      <a:prstDash val="solid"/>
+                      <a:round/>
+                      <a:headEnd type="none" w="med" len="med"/>
+                      <a:tailEnd type="none" w="med" len="med"/>
+                    </a:lnL>
+                    <a:lnR w="12700" cap="flat" cmpd="sng" algn="ctr">
+                      <a:noFill/>
+                      <a:prstDash val="solid"/>
+                      <a:round/>
+                      <a:headEnd type="none" w="med" len="med"/>
+                      <a:tailEnd type="none" w="med" len="med"/>
+                    </a:lnR>
+                    <a:lnT w="12700" cap="flat" cmpd="sng" algn="ctr">
+                      <a:solidFill>
+                        <a:schemeClr val="tx1"/>
+                      </a:solidFill>
+                      <a:prstDash val="solid"/>
+                      <a:round/>
+                      <a:headEnd type="none" w="med" len="med"/>
+                      <a:tailEnd type="none" w="med" len="med"/>
+                    </a:lnT>
+                    <a:lnB w="12700" cap="flat" cmpd="sng" algn="ctr">
+                      <a:solidFill>
+                        <a:schemeClr val="tx1"/>
+                      </a:solidFill>
+                      <a:prstDash val="solid"/>
+                      <a:round/>
+                      <a:headEnd type="none" w="med" len="med"/>
+                      <a:tailEnd type="none" w="med" len="med"/>
+                    </a:lnB>
+                    <a:lnTlToBr w="12700" cmpd="sng">
+                      <a:noFill/>
+                      <a:prstDash val="solid"/>
+                    </a:lnTlToBr>
+                    <a:lnBlToTr w="12700" cmpd="sng">
+                      <a:noFill/>
+                      <a:prstDash val="solid"/>
+                    </a:lnBlToTr>
+                  </a:tcPr>
+                </a:tc>
+                <a:tc>
+                  <a:txBody>
+                    <a:bodyPr/>
+                    <a:lstStyle/>
+                    <a:p>
+                      <a:r>
+                        <a:rPr lang="en-US" sz="2400" dirty="0" smtClean="0">
+                          <a:latin typeface="Garamond" panose="02020404030301010803" pitchFamily="18" charset="0"/>
+                        </a:rPr>
+                        <a:t>Documentation must be open source and transferable to future PSAS</a:t>
+                      </a:r>
+                      <a:r>
+                        <a:rPr lang="en-US" sz="2400" baseline="0" dirty="0" smtClean="0">
+                          <a:latin typeface="Garamond" panose="02020404030301010803" pitchFamily="18" charset="0"/>
+                        </a:rPr>
+                        <a:t> engineers.</a:t>
+                      </a:r>
+                      <a:endParaRPr lang="en-US" sz="2400" dirty="0">
+                        <a:latin typeface="Garamond" panose="02020404030301010803" pitchFamily="18" charset="0"/>
+                      </a:endParaRPr>
+                    </a:p>
+                  </a:txBody>
+                  <a:tcPr>
+                    <a:lnL w="12700" cap="flat" cmpd="sng" algn="ctr">
+                      <a:noFill/>
+                      <a:prstDash val="solid"/>
+                      <a:round/>
+                      <a:headEnd type="none" w="med" len="med"/>
+                      <a:tailEnd type="none" w="med" len="med"/>
+                    </a:lnL>
+                    <a:lnR w="12700" cap="flat" cmpd="sng" algn="ctr">
+                      <a:noFill/>
+                      <a:prstDash val="solid"/>
+                      <a:round/>
+                      <a:headEnd type="none" w="med" len="med"/>
+                      <a:tailEnd type="none" w="med" len="med"/>
+                    </a:lnR>
+                    <a:lnT w="12700" cap="flat" cmpd="sng" algn="ctr">
+                      <a:solidFill>
+                        <a:schemeClr val="tx1"/>
+                      </a:solidFill>
+                      <a:prstDash val="solid"/>
+                      <a:round/>
+                      <a:headEnd type="none" w="med" len="med"/>
+                      <a:tailEnd type="none" w="med" len="med"/>
+                    </a:lnT>
+                    <a:lnB w="12700" cap="flat" cmpd="sng" algn="ctr">
+                      <a:solidFill>
+                        <a:schemeClr val="tx1"/>
+                      </a:solidFill>
+                      <a:prstDash val="solid"/>
+                      <a:round/>
+                      <a:headEnd type="none" w="med" len="med"/>
+                      <a:tailEnd type="none" w="med" len="med"/>
+                    </a:lnB>
+                    <a:lnTlToBr w="12700" cmpd="sng">
+                      <a:noFill/>
+                      <a:prstDash val="solid"/>
+                    </a:lnTlToBr>
+                    <a:lnBlToTr w="12700" cmpd="sng">
+                      <a:noFill/>
+                      <a:prstDash val="solid"/>
+                    </a:lnBlToTr>
+                  </a:tcPr>
+                </a:tc>
+                <a:extLst>
+                  <a:ext uri="{0D108BD9-81ED-4DB2-BD59-A6C34878D82A}">
+                    <a16:rowId xmlns:a16="http://schemas.microsoft.com/office/drawing/2014/main" val="1768767585"/>
+                  </a:ext>
+                </a:extLst>
+              </a:tr>
+              <a:tr h="960149">
+                <a:tc>
+                  <a:txBody>
+                    <a:bodyPr/>
+                    <a:lstStyle/>
+                    <a:p>
+                      <a:r>
+                        <a:rPr lang="en-US" sz="2400" b="1" dirty="0" smtClean="0">
+                          <a:latin typeface="Garamond" panose="02020404030301010803" pitchFamily="18" charset="0"/>
+                        </a:rPr>
+                        <a:t>Off-the-shelf components</a:t>
+                      </a:r>
+                      <a:endParaRPr lang="en-US" sz="2400" b="1" dirty="0">
+                        <a:latin typeface="Garamond" panose="02020404030301010803" pitchFamily="18" charset="0"/>
+                      </a:endParaRPr>
+                    </a:p>
+                  </a:txBody>
+                  <a:tcPr>
+                    <a:lnL w="12700" cap="flat" cmpd="sng" algn="ctr">
+                      <a:noFill/>
+                      <a:prstDash val="solid"/>
+                      <a:round/>
+                      <a:headEnd type="none" w="med" len="med"/>
+                      <a:tailEnd type="none" w="med" len="med"/>
+                    </a:lnL>
+                    <a:lnR w="12700" cap="flat" cmpd="sng" algn="ctr">
+                      <a:noFill/>
+                      <a:prstDash val="solid"/>
+                      <a:round/>
+                      <a:headEnd type="none" w="med" len="med"/>
+                      <a:tailEnd type="none" w="med" len="med"/>
+                    </a:lnR>
+                    <a:lnT w="12700" cap="flat" cmpd="sng" algn="ctr">
+                      <a:solidFill>
+                        <a:schemeClr val="tx1"/>
+                      </a:solidFill>
+                      <a:prstDash val="solid"/>
+                      <a:round/>
+                      <a:headEnd type="none" w="med" len="med"/>
+                      <a:tailEnd type="none" w="med" len="med"/>
+                    </a:lnT>
+                    <a:lnB w="12700" cap="flat" cmpd="sng" algn="ctr">
+                      <a:solidFill>
+                        <a:schemeClr val="tx1"/>
+                      </a:solidFill>
+                      <a:prstDash val="solid"/>
+                      <a:round/>
+                      <a:headEnd type="none" w="med" len="med"/>
+                      <a:tailEnd type="none" w="med" len="med"/>
+                    </a:lnB>
+                    <a:lnTlToBr w="12700" cmpd="sng">
+                      <a:noFill/>
+                      <a:prstDash val="solid"/>
+                    </a:lnTlToBr>
+                    <a:lnBlToTr w="12700" cmpd="sng">
+                      <a:noFill/>
+                      <a:prstDash val="solid"/>
+                    </a:lnBlToTr>
+                  </a:tcPr>
+                </a:tc>
+                <a:tc>
+                  <a:txBody>
+                    <a:bodyPr/>
+                    <a:lstStyle/>
+                    <a:p>
+                      <a:r>
+                        <a:rPr lang="en-US" sz="2400" dirty="0" smtClean="0">
+                          <a:latin typeface="Garamond" panose="02020404030301010803" pitchFamily="18" charset="0"/>
+                        </a:rPr>
+                        <a:t>Must utilize</a:t>
+                      </a:r>
+                      <a:r>
+                        <a:rPr lang="en-US" sz="2400" baseline="0" dirty="0" smtClean="0">
+                          <a:latin typeface="Garamond" panose="02020404030301010803" pitchFamily="18" charset="0"/>
+                        </a:rPr>
+                        <a:t> off the shelf components wherever possible.</a:t>
+                      </a:r>
+                      <a:endParaRPr lang="en-US" sz="2400" dirty="0">
+                        <a:latin typeface="Garamond" panose="02020404030301010803" pitchFamily="18" charset="0"/>
+                      </a:endParaRPr>
+                    </a:p>
+                  </a:txBody>
+                  <a:tcPr>
+                    <a:lnL w="12700" cap="flat" cmpd="sng" algn="ctr">
+                      <a:noFill/>
+                      <a:prstDash val="solid"/>
+                      <a:round/>
+                      <a:headEnd type="none" w="med" len="med"/>
+                      <a:tailEnd type="none" w="med" len="med"/>
+                    </a:lnL>
+                    <a:lnR w="12700" cap="flat" cmpd="sng" algn="ctr">
+                      <a:noFill/>
+                      <a:prstDash val="solid"/>
+                      <a:round/>
+                      <a:headEnd type="none" w="med" len="med"/>
+                      <a:tailEnd type="none" w="med" len="med"/>
+                    </a:lnR>
+                    <a:lnT w="12700" cap="flat" cmpd="sng" algn="ctr">
+                      <a:solidFill>
+                        <a:schemeClr val="tx1"/>
+                      </a:solidFill>
+                      <a:prstDash val="solid"/>
+                      <a:round/>
+                      <a:headEnd type="none" w="med" len="med"/>
+                      <a:tailEnd type="none" w="med" len="med"/>
+                    </a:lnT>
+                    <a:lnB w="12700" cap="flat" cmpd="sng" algn="ctr">
+                      <a:solidFill>
+                        <a:schemeClr val="tx1"/>
+                      </a:solidFill>
+                      <a:prstDash val="solid"/>
+                      <a:round/>
+                      <a:headEnd type="none" w="med" len="med"/>
+                      <a:tailEnd type="none" w="med" len="med"/>
+                    </a:lnB>
+                    <a:lnTlToBr w="12700" cmpd="sng">
+                      <a:noFill/>
+                      <a:prstDash val="solid"/>
+                    </a:lnTlToBr>
+                    <a:lnBlToTr w="12700" cmpd="sng">
+                      <a:noFill/>
+                      <a:prstDash val="solid"/>
+                    </a:lnBlToTr>
+                  </a:tcPr>
+                </a:tc>
+                <a:extLst>
+                  <a:ext uri="{0D108BD9-81ED-4DB2-BD59-A6C34878D82A}">
+                    <a16:rowId xmlns:a16="http://schemas.microsoft.com/office/drawing/2014/main" val="366925838"/>
+                  </a:ext>
+                </a:extLst>
+              </a:tr>
+              <a:tr h="1131452">
+                <a:tc>
+                  <a:txBody>
+                    <a:bodyPr/>
+                    <a:lstStyle/>
+                    <a:p>
+                      <a:r>
+                        <a:rPr lang="en-US" sz="2400" b="1" dirty="0" smtClean="0">
+                          <a:latin typeface="Garamond" panose="02020404030301010803" pitchFamily="18" charset="0"/>
+                        </a:rPr>
+                        <a:t>Cost</a:t>
+                      </a:r>
+                      <a:endParaRPr lang="en-US" sz="2400" b="1" dirty="0">
+                        <a:latin typeface="Garamond" panose="02020404030301010803" pitchFamily="18" charset="0"/>
+                      </a:endParaRPr>
+                    </a:p>
+                  </a:txBody>
+                  <a:tcPr>
+                    <a:lnL w="12700" cap="flat" cmpd="sng" algn="ctr">
+                      <a:noFill/>
+                      <a:prstDash val="solid"/>
+                      <a:round/>
+                      <a:headEnd type="none" w="med" len="med"/>
+                      <a:tailEnd type="none" w="med" len="med"/>
+                    </a:lnL>
+                    <a:lnR w="12700" cap="flat" cmpd="sng" algn="ctr">
+                      <a:noFill/>
+                      <a:prstDash val="solid"/>
+                      <a:round/>
+                      <a:headEnd type="none" w="med" len="med"/>
+                      <a:tailEnd type="none" w="med" len="med"/>
+                    </a:lnR>
+                    <a:lnT w="12700" cap="flat" cmpd="sng" algn="ctr">
+                      <a:solidFill>
+                        <a:schemeClr val="tx1"/>
+                      </a:solidFill>
+                      <a:prstDash val="solid"/>
+                      <a:round/>
+                      <a:headEnd type="none" w="med" len="med"/>
+                      <a:tailEnd type="none" w="med" len="med"/>
+                    </a:lnT>
+                    <a:lnB w="12700" cap="flat" cmpd="sng" algn="ctr">
+                      <a:solidFill>
+                        <a:schemeClr val="tx1"/>
+                      </a:solidFill>
+                      <a:prstDash val="solid"/>
+                      <a:round/>
+                      <a:headEnd type="none" w="med" len="med"/>
+                      <a:tailEnd type="none" w="med" len="med"/>
+                    </a:lnB>
+                    <a:lnTlToBr w="12700" cmpd="sng">
+                      <a:noFill/>
+                      <a:prstDash val="solid"/>
+                    </a:lnTlToBr>
+                    <a:lnBlToTr w="12700" cmpd="sng">
+                      <a:noFill/>
+                      <a:prstDash val="solid"/>
+                    </a:lnBlToTr>
+                  </a:tcPr>
+                </a:tc>
+                <a:tc>
+                  <a:txBody>
+                    <a:bodyPr/>
+                    <a:lstStyle/>
+                    <a:p>
+                      <a:r>
+                        <a:rPr lang="en-US" sz="2400" dirty="0" smtClean="0">
+                          <a:latin typeface="Garamond" panose="02020404030301010803" pitchFamily="18" charset="0"/>
+                        </a:rPr>
+                        <a:t>Project must be completed for</a:t>
+                      </a:r>
+                      <a:r>
+                        <a:rPr lang="en-US" sz="2400" baseline="0" dirty="0" smtClean="0">
+                          <a:latin typeface="Garamond" panose="02020404030301010803" pitchFamily="18" charset="0"/>
+                        </a:rPr>
+                        <a:t> less than $8000</a:t>
+                      </a:r>
+                      <a:endParaRPr lang="en-US" sz="2400" dirty="0">
+                        <a:latin typeface="Garamond" panose="02020404030301010803" pitchFamily="18" charset="0"/>
+                      </a:endParaRPr>
+                    </a:p>
+                  </a:txBody>
+                  <a:tcPr>
+                    <a:lnL w="12700" cap="flat" cmpd="sng" algn="ctr">
+                      <a:noFill/>
+                      <a:prstDash val="solid"/>
+                      <a:round/>
+                      <a:headEnd type="none" w="med" len="med"/>
+                      <a:tailEnd type="none" w="med" len="med"/>
+                    </a:lnL>
+                    <a:lnR w="12700" cap="flat" cmpd="sng" algn="ctr">
+                      <a:noFill/>
+                      <a:prstDash val="solid"/>
+                      <a:round/>
+                      <a:headEnd type="none" w="med" len="med"/>
+                      <a:tailEnd type="none" w="med" len="med"/>
+                    </a:lnR>
+                    <a:lnT w="12700" cap="flat" cmpd="sng" algn="ctr">
+                      <a:solidFill>
+                        <a:schemeClr val="tx1"/>
+                      </a:solidFill>
+                      <a:prstDash val="solid"/>
+                      <a:round/>
+                      <a:headEnd type="none" w="med" len="med"/>
+                      <a:tailEnd type="none" w="med" len="med"/>
+                    </a:lnT>
+                    <a:lnB w="12700" cap="flat" cmpd="sng" algn="ctr">
+                      <a:solidFill>
+                        <a:schemeClr val="tx1"/>
+                      </a:solidFill>
+                      <a:prstDash val="solid"/>
+                      <a:round/>
+                      <a:headEnd type="none" w="med" len="med"/>
+                      <a:tailEnd type="none" w="med" len="med"/>
+                    </a:lnB>
+                    <a:lnTlToBr w="12700" cmpd="sng">
+                      <a:noFill/>
+                      <a:prstDash val="solid"/>
+                    </a:lnTlToBr>
+                    <a:lnBlToTr w="12700" cmpd="sng">
+                      <a:noFill/>
+                      <a:prstDash val="solid"/>
+                    </a:lnBlToTr>
+                  </a:tcPr>
+                </a:tc>
+                <a:extLst>
+                  <a:ext uri="{0D108BD9-81ED-4DB2-BD59-A6C34878D82A}">
+                    <a16:rowId xmlns:a16="http://schemas.microsoft.com/office/drawing/2014/main" val="1114046254"/>
+                  </a:ext>
+                </a:extLst>
+              </a:tr>
+            </a:tbl>
+          </a:graphicData>
+        </a:graphic>
+      </p:graphicFrame>
+    </p:spTree>
+    <p:extLst>
+      <p:ext uri="{BB962C8B-B14F-4D97-AF65-F5344CB8AC3E}">
+        <p14:creationId xmlns:p14="http://schemas.microsoft.com/office/powerpoint/2010/main" val="2400844619"/>
+      </p:ext>
+    </p:extLst>
+  </p:cSld>
+  <p:clrMapOvr>
+    <a:masterClrMapping/>
+  </p:clrMapOvr>
+  <mc:AlternateContent xmlns:mc="http://schemas.openxmlformats.org/markup-compatibility/2006" xmlns:p14="http://schemas.microsoft.com/office/powerpoint/2010/main">
+    <mc:Choice Requires="p14">
+      <p:transition p14:dur="300">
+        <p:fade/>
+      </p:transition>
+    </mc:Choice>
+    <mc:Fallback xmlns="">
+      <p:transition>
+        <p:fade/>
+      </p:transition>
+    </mc:Fallback>
+  </mc:AlternateContent>
+  <p:timing>
+    <p:tnLst>
+      <p:par>
+        <p:cTn id="1" dur="indefinite" restart="never" nodeType="tmRoot"/>
+      </p:par>
+    </p:tnLst>
+  </p:timing>
+</p:sld>
+</file>
+
+<file path=ppt/slides/slide9.xml><?xml version="1.0" encoding="utf-8"?>
+<p:sld xmlns:a="http://schemas.openxmlformats.org/drawingml/2006/main" xmlns:r="http://schemas.openxmlformats.org/officeDocument/2006/relationships" xmlns:p="http://schemas.openxmlformats.org/presentationml/2006/main">
+  <p:cSld>
+    <p:spTree>
+      <p:nvGrpSpPr>
+        <p:cNvPr id="1" name=""/>
+        <p:cNvGrpSpPr/>
+        <p:nvPr/>
+      </p:nvGrpSpPr>
+      <p:grpSpPr>
+        <a:xfrm>
+          <a:off x="0" y="0"/>
+          <a:ext cx="0" cy="0"/>
+          <a:chOff x="0" y="0"/>
+          <a:chExt cx="0" cy="0"/>
+        </a:xfrm>
+      </p:grpSpPr>
+      <p:pic>
+        <p:nvPicPr>
+          <p:cNvPr id="6" name="Picture 5"/>
+          <p:cNvPicPr>
+            <a:picLocks noChangeAspect="1"/>
+          </p:cNvPicPr>
+          <p:nvPr/>
+        </p:nvPicPr>
+        <p:blipFill>
+          <a:blip r:embed="rId3"/>
+          <a:stretch>
+            <a:fillRect/>
+          </a:stretch>
+        </p:blipFill>
+        <p:spPr>
+          <a:xfrm>
+            <a:off x="4545134" y="2918143"/>
+            <a:ext cx="2874993" cy="391615"/>
+          </a:xfrm>
+          <a:prstGeom prst="rect">
+            <a:avLst/>
+          </a:prstGeom>
+        </p:spPr>
+      </p:pic>
+      <p:pic>
+        <p:nvPicPr>
+          <p:cNvPr id="7" name="Picture 6"/>
+          <p:cNvPicPr>
+            <a:picLocks noChangeAspect="1"/>
+          </p:cNvPicPr>
+          <p:nvPr/>
+        </p:nvPicPr>
+        <p:blipFill>
+          <a:blip r:embed="rId4"/>
+          <a:stretch>
+            <a:fillRect/>
+          </a:stretch>
+        </p:blipFill>
+        <p:spPr>
+          <a:xfrm>
+            <a:off x="4483412" y="1498825"/>
+            <a:ext cx="2955034" cy="554070"/>
+          </a:xfrm>
+          <a:prstGeom prst="rect">
+            <a:avLst/>
+          </a:prstGeom>
+        </p:spPr>
+      </p:pic>
+      <p:pic>
+        <p:nvPicPr>
+          <p:cNvPr id="9" name="Picture 8"/>
+          <p:cNvPicPr>
+            <a:picLocks noChangeAspect="1"/>
+          </p:cNvPicPr>
+          <p:nvPr/>
+        </p:nvPicPr>
+        <p:blipFill>
+          <a:blip r:embed="rId5"/>
+          <a:stretch>
+            <a:fillRect/>
+          </a:stretch>
+        </p:blipFill>
+        <p:spPr>
+          <a:xfrm rot="5400000">
+            <a:off x="5930858" y="4065554"/>
+            <a:ext cx="2090985" cy="450808"/>
+          </a:xfrm>
+          <a:prstGeom prst="rect">
+            <a:avLst/>
+          </a:prstGeom>
+        </p:spPr>
+      </p:pic>
+      <p:pic>
+        <p:nvPicPr>
+          <p:cNvPr id="11" name="Picture 10"/>
+          <p:cNvPicPr>
+            <a:picLocks noChangeAspect="1"/>
+          </p:cNvPicPr>
+          <p:nvPr/>
+        </p:nvPicPr>
+        <p:blipFill>
+          <a:blip r:embed="rId6"/>
+          <a:stretch>
+            <a:fillRect/>
+          </a:stretch>
+        </p:blipFill>
+        <p:spPr>
+          <a:xfrm>
+            <a:off x="4473709" y="3388443"/>
+            <a:ext cx="1762784" cy="536643"/>
+          </a:xfrm>
+          <a:prstGeom prst="rect">
+            <a:avLst/>
+          </a:prstGeom>
+        </p:spPr>
+      </p:pic>
+      <p:pic>
+        <p:nvPicPr>
+          <p:cNvPr id="12" name="Picture 11"/>
+          <p:cNvPicPr>
+            <a:picLocks noChangeAspect="1"/>
+          </p:cNvPicPr>
+          <p:nvPr/>
+        </p:nvPicPr>
+        <p:blipFill>
+          <a:blip r:embed="rId7"/>
+          <a:stretch>
+            <a:fillRect/>
+          </a:stretch>
+        </p:blipFill>
+        <p:spPr>
+          <a:xfrm rot="19765243">
+            <a:off x="6457860" y="2097166"/>
+            <a:ext cx="784407" cy="545527"/>
+          </a:xfrm>
+          <a:prstGeom prst="rect">
+            <a:avLst/>
+          </a:prstGeom>
+        </p:spPr>
+      </p:pic>
+      <p:pic>
+        <p:nvPicPr>
+          <p:cNvPr id="15" name="Picture 14"/>
+          <p:cNvPicPr>
+            <a:picLocks noChangeAspect="1"/>
+          </p:cNvPicPr>
+          <p:nvPr/>
+        </p:nvPicPr>
+        <p:blipFill>
+          <a:blip r:embed="rId8"/>
+          <a:stretch>
+            <a:fillRect/>
+          </a:stretch>
+        </p:blipFill>
+        <p:spPr>
+          <a:xfrm>
+            <a:off x="4426640" y="1973829"/>
+            <a:ext cx="1545403" cy="388664"/>
+          </a:xfrm>
+          <a:prstGeom prst="rect">
+            <a:avLst/>
+          </a:prstGeom>
+        </p:spPr>
+      </p:pic>
+      <p:pic>
+        <p:nvPicPr>
+          <p:cNvPr id="16" name="Picture 15"/>
+          <p:cNvPicPr>
+            <a:picLocks noChangeAspect="1"/>
+          </p:cNvPicPr>
+          <p:nvPr/>
+        </p:nvPicPr>
+        <p:blipFill>
+          <a:blip r:embed="rId9"/>
+          <a:stretch>
+            <a:fillRect/>
+          </a:stretch>
+        </p:blipFill>
+        <p:spPr>
+          <a:xfrm>
+            <a:off x="4588700" y="2350324"/>
+            <a:ext cx="1225102" cy="385590"/>
+          </a:xfrm>
+          <a:prstGeom prst="rect">
+            <a:avLst/>
+          </a:prstGeom>
+        </p:spPr>
+      </p:pic>
+      <p:pic>
+        <p:nvPicPr>
+          <p:cNvPr id="14" name="Picture 13"/>
+          <p:cNvPicPr>
+            <a:picLocks noChangeAspect="1"/>
+          </p:cNvPicPr>
+          <p:nvPr/>
+        </p:nvPicPr>
+        <p:blipFill>
+          <a:blip r:embed="rId10"/>
+          <a:stretch>
+            <a:fillRect/>
+          </a:stretch>
+        </p:blipFill>
+        <p:spPr>
+          <a:xfrm>
+            <a:off x="6017353" y="4315883"/>
+            <a:ext cx="1309131" cy="456879"/>
+          </a:xfrm>
+          <a:prstGeom prst="rect">
+            <a:avLst/>
+          </a:prstGeom>
+        </p:spPr>
+      </p:pic>
+      <p:pic>
+        <p:nvPicPr>
+          <p:cNvPr id="17" name="Picture 16"/>
+          <p:cNvPicPr>
+            <a:picLocks noChangeAspect="1"/>
+          </p:cNvPicPr>
+          <p:nvPr/>
+        </p:nvPicPr>
+        <p:blipFill>
+          <a:blip r:embed="rId11"/>
+          <a:stretch>
+            <a:fillRect/>
+          </a:stretch>
+        </p:blipFill>
+        <p:spPr>
+          <a:xfrm>
+            <a:off x="5413244" y="5221781"/>
+            <a:ext cx="1551234" cy="593683"/>
+          </a:xfrm>
+          <a:prstGeom prst="rect">
+            <a:avLst/>
+          </a:prstGeom>
+        </p:spPr>
+      </p:pic>
+      <p:pic>
+        <p:nvPicPr>
+          <p:cNvPr id="20" name="Picture 19"/>
+          <p:cNvPicPr>
+            <a:picLocks noChangeAspect="1"/>
+          </p:cNvPicPr>
+          <p:nvPr/>
+        </p:nvPicPr>
+        <p:blipFill>
+          <a:blip r:embed="rId12"/>
+          <a:stretch>
+            <a:fillRect/>
+          </a:stretch>
+        </p:blipFill>
+        <p:spPr>
+          <a:xfrm>
+            <a:off x="6098398" y="3373833"/>
+            <a:ext cx="645187" cy="412203"/>
+          </a:xfrm>
+          <a:prstGeom prst="rect">
+            <a:avLst/>
+          </a:prstGeom>
+        </p:spPr>
+      </p:pic>
+      <p:pic>
+        <p:nvPicPr>
+          <p:cNvPr id="22" name="Picture 21"/>
+          <p:cNvPicPr>
+            <a:picLocks noChangeAspect="1"/>
+          </p:cNvPicPr>
+          <p:nvPr/>
+        </p:nvPicPr>
+        <p:blipFill>
+          <a:blip r:embed="rId12"/>
+          <a:stretch>
+            <a:fillRect/>
+          </a:stretch>
+        </p:blipFill>
+        <p:spPr>
+          <a:xfrm rot="11756183">
+            <a:off x="6139646" y="4702331"/>
+            <a:ext cx="645187" cy="412203"/>
+          </a:xfrm>
+          <a:prstGeom prst="rect">
+            <a:avLst/>
+          </a:prstGeom>
+        </p:spPr>
+      </p:pic>
+      <p:pic>
+        <p:nvPicPr>
+          <p:cNvPr id="23" name="Picture 22"/>
+          <p:cNvPicPr>
+            <a:picLocks noChangeAspect="1"/>
+          </p:cNvPicPr>
+          <p:nvPr/>
+        </p:nvPicPr>
+        <p:blipFill>
+          <a:blip r:embed="rId4"/>
+          <a:stretch>
+            <a:fillRect/>
+          </a:stretch>
+        </p:blipFill>
+        <p:spPr>
+          <a:xfrm>
+            <a:off x="4425961" y="6127702"/>
+            <a:ext cx="3003590" cy="659841"/>
+          </a:xfrm>
+          <a:prstGeom prst="rect">
+            <a:avLst/>
+          </a:prstGeom>
+        </p:spPr>
+      </p:pic>
+      <p:pic>
+        <p:nvPicPr>
+          <p:cNvPr id="24" name="Picture 23"/>
+          <p:cNvPicPr>
+            <a:picLocks noChangeAspect="1"/>
+          </p:cNvPicPr>
+          <p:nvPr/>
+        </p:nvPicPr>
+        <p:blipFill>
+          <a:blip r:embed="rId8"/>
+          <a:stretch>
+            <a:fillRect/>
+          </a:stretch>
+        </p:blipFill>
+        <p:spPr>
+          <a:xfrm>
+            <a:off x="4524530" y="4322333"/>
+            <a:ext cx="1388070" cy="349098"/>
+          </a:xfrm>
+          <a:prstGeom prst="rect">
+            <a:avLst/>
+          </a:prstGeom>
+        </p:spPr>
+      </p:pic>
+      <p:pic>
+        <p:nvPicPr>
+          <p:cNvPr id="25" name="Picture 24"/>
+          <p:cNvPicPr>
+            <a:picLocks noChangeAspect="1"/>
+          </p:cNvPicPr>
+          <p:nvPr/>
+        </p:nvPicPr>
+        <p:blipFill>
+          <a:blip r:embed="rId13"/>
+          <a:stretch>
+            <a:fillRect/>
+          </a:stretch>
+        </p:blipFill>
+        <p:spPr>
+          <a:xfrm>
+            <a:off x="9123679" y="4232189"/>
+            <a:ext cx="2774335" cy="1495892"/>
+          </a:xfrm>
+          <a:prstGeom prst="rect">
+            <a:avLst/>
+          </a:prstGeom>
+        </p:spPr>
+      </p:pic>
+      <p:pic>
+        <p:nvPicPr>
+          <p:cNvPr id="26" name="Picture 25"/>
+          <p:cNvPicPr>
+            <a:picLocks noChangeAspect="1"/>
+          </p:cNvPicPr>
+          <p:nvPr/>
+        </p:nvPicPr>
+        <p:blipFill>
+          <a:blip r:embed="rId14"/>
+          <a:stretch>
+            <a:fillRect/>
+          </a:stretch>
+        </p:blipFill>
+        <p:spPr>
+          <a:xfrm>
+            <a:off x="9123678" y="3055492"/>
+            <a:ext cx="2834087" cy="1090849"/>
+          </a:xfrm>
+          <a:prstGeom prst="rect">
+            <a:avLst/>
+          </a:prstGeom>
+        </p:spPr>
+      </p:pic>
+      <p:pic>
+        <p:nvPicPr>
+          <p:cNvPr id="27" name="Picture 26"/>
+          <p:cNvPicPr>
+            <a:picLocks noChangeAspect="1"/>
+          </p:cNvPicPr>
+          <p:nvPr/>
+        </p:nvPicPr>
+        <p:blipFill>
+          <a:blip r:embed="rId15"/>
+          <a:stretch>
+            <a:fillRect/>
+          </a:stretch>
+        </p:blipFill>
+        <p:spPr>
+          <a:xfrm>
+            <a:off x="9113116" y="1554345"/>
+            <a:ext cx="2784898" cy="1346034"/>
+          </a:xfrm>
+          <a:prstGeom prst="rect">
+            <a:avLst/>
+          </a:prstGeom>
+        </p:spPr>
+      </p:pic>
+      <p:sp>
+        <p:nvSpPr>
+          <p:cNvPr id="37" name="TextBox 36"/>
+          <p:cNvSpPr txBox="1"/>
+          <p:nvPr/>
+        </p:nvSpPr>
+        <p:spPr>
+          <a:xfrm>
+            <a:off x="196434" y="758461"/>
+            <a:ext cx="2923711" cy="810478"/>
+          </a:xfrm>
+          <a:prstGeom prst="rect">
+            <a:avLst/>
+          </a:prstGeom>
+          <a:noFill/>
+        </p:spPr>
+        <p:txBody>
+          <a:bodyPr wrap="square" rtlCol="0">
+            <a:spAutoFit/>
+          </a:bodyPr>
+          <a:lstStyle/>
+          <a:p>
+            <a:pPr>
+              <a:lnSpc>
+                <a:spcPts val="2800"/>
+              </a:lnSpc>
+            </a:pPr>
+            <a:r>
+              <a:rPr lang="en-US" sz="2800" b="1" dirty="0" smtClean="0">
+                <a:solidFill>
+                  <a:srgbClr val="C00000"/>
+                </a:solidFill>
+                <a:latin typeface="Garamond" panose="02020404030301010803" pitchFamily="18" charset="0"/>
+              </a:rPr>
+              <a:t>Open-ended literature review</a:t>
+            </a:r>
+            <a:endParaRPr lang="en-US" sz="2800" b="1" dirty="0">
+              <a:solidFill>
+                <a:srgbClr val="C00000"/>
+              </a:solidFill>
+              <a:latin typeface="Garamond" panose="02020404030301010803" pitchFamily="18" charset="0"/>
+            </a:endParaRPr>
+          </a:p>
+        </p:txBody>
+      </p:sp>
+      <p:pic>
+        <p:nvPicPr>
+          <p:cNvPr id="13" name="Picture 12"/>
+          <p:cNvPicPr>
+            <a:picLocks noChangeAspect="1"/>
+          </p:cNvPicPr>
+          <p:nvPr/>
+        </p:nvPicPr>
+        <p:blipFill>
+          <a:blip r:embed="rId16"/>
+          <a:stretch>
+            <a:fillRect/>
+          </a:stretch>
+        </p:blipFill>
+        <p:spPr>
+          <a:xfrm rot="972278">
+            <a:off x="4524372" y="4935542"/>
+            <a:ext cx="2741669" cy="507445"/>
+          </a:xfrm>
+          <a:prstGeom prst="rect">
+            <a:avLst/>
+          </a:prstGeom>
+        </p:spPr>
+      </p:pic>
+      <p:pic>
+        <p:nvPicPr>
+          <p:cNvPr id="5" name="Picture 4"/>
+          <p:cNvPicPr>
+            <a:picLocks noChangeAspect="1"/>
+          </p:cNvPicPr>
+          <p:nvPr/>
+        </p:nvPicPr>
+        <p:blipFill>
+          <a:blip r:embed="rId9"/>
+          <a:stretch>
+            <a:fillRect/>
+          </a:stretch>
+        </p:blipFill>
+        <p:spPr>
+          <a:xfrm>
+            <a:off x="4945152" y="3798406"/>
+            <a:ext cx="1726766" cy="543484"/>
+          </a:xfrm>
+          <a:prstGeom prst="rect">
+            <a:avLst/>
+          </a:prstGeom>
+        </p:spPr>
+      </p:pic>
+      <p:pic>
+        <p:nvPicPr>
+          <p:cNvPr id="2" name="Picture 1"/>
+          <p:cNvPicPr>
+            <a:picLocks noChangeAspect="1"/>
+          </p:cNvPicPr>
+          <p:nvPr/>
+        </p:nvPicPr>
+        <p:blipFill>
+          <a:blip r:embed="rId17"/>
+          <a:stretch>
+            <a:fillRect/>
+          </a:stretch>
+        </p:blipFill>
+        <p:spPr>
+          <a:xfrm rot="19479839">
+            <a:off x="5618048" y="2113684"/>
+            <a:ext cx="1179585" cy="434269"/>
+          </a:xfrm>
+          <a:prstGeom prst="rect">
+            <a:avLst/>
+          </a:prstGeom>
+        </p:spPr>
+      </p:pic>
+      <p:pic>
+        <p:nvPicPr>
+          <p:cNvPr id="8" name="Picture 7"/>
+          <p:cNvPicPr>
+            <a:picLocks noChangeAspect="1"/>
+          </p:cNvPicPr>
+          <p:nvPr/>
+        </p:nvPicPr>
+        <p:blipFill>
+          <a:blip r:embed="rId8"/>
+          <a:stretch>
+            <a:fillRect/>
+          </a:stretch>
+        </p:blipFill>
+        <p:spPr>
+          <a:xfrm>
+            <a:off x="5509871" y="2647209"/>
+            <a:ext cx="1395940" cy="351074"/>
+          </a:xfrm>
+          <a:prstGeom prst="rect">
+            <a:avLst/>
+          </a:prstGeom>
+        </p:spPr>
+      </p:pic>
+      <p:pic>
+        <p:nvPicPr>
+          <p:cNvPr id="40" name="Picture 39"/>
+          <p:cNvPicPr>
+            <a:picLocks noChangeAspect="1"/>
+          </p:cNvPicPr>
+          <p:nvPr/>
+        </p:nvPicPr>
+        <p:blipFill>
+          <a:blip r:embed="rId18"/>
+          <a:stretch>
+            <a:fillRect/>
+          </a:stretch>
+        </p:blipFill>
+        <p:spPr>
+          <a:xfrm>
+            <a:off x="173595" y="1560209"/>
+            <a:ext cx="3047436" cy="1334306"/>
+          </a:xfrm>
+          <a:prstGeom prst="rect">
+            <a:avLst/>
+          </a:prstGeom>
+        </p:spPr>
+      </p:pic>
+      <p:pic>
+        <p:nvPicPr>
+          <p:cNvPr id="41" name="Picture 40"/>
+          <p:cNvPicPr>
+            <a:picLocks noChangeAspect="1"/>
+          </p:cNvPicPr>
+          <p:nvPr/>
+        </p:nvPicPr>
+        <p:blipFill>
+          <a:blip r:embed="rId19"/>
+          <a:stretch>
+            <a:fillRect/>
+          </a:stretch>
+        </p:blipFill>
+        <p:spPr>
+          <a:xfrm>
+            <a:off x="210142" y="4211632"/>
+            <a:ext cx="3058136" cy="1201020"/>
+          </a:xfrm>
+          <a:prstGeom prst="rect">
+            <a:avLst/>
+          </a:prstGeom>
+        </p:spPr>
+      </p:pic>
+      <p:pic>
+        <p:nvPicPr>
+          <p:cNvPr id="42" name="Picture 41"/>
+          <p:cNvPicPr>
+            <a:picLocks noChangeAspect="1"/>
+          </p:cNvPicPr>
+          <p:nvPr/>
+        </p:nvPicPr>
+        <p:blipFill>
+          <a:blip r:embed="rId20"/>
+          <a:stretch>
+            <a:fillRect/>
+          </a:stretch>
+        </p:blipFill>
+        <p:spPr>
+          <a:xfrm>
+            <a:off x="205453" y="2926006"/>
+            <a:ext cx="3015578" cy="419100"/>
+          </a:xfrm>
+          <a:prstGeom prst="rect">
+            <a:avLst/>
+          </a:prstGeom>
+        </p:spPr>
+      </p:pic>
+      <p:pic>
+        <p:nvPicPr>
+          <p:cNvPr id="43" name="Picture 42"/>
+          <p:cNvPicPr>
+            <a:picLocks noChangeAspect="1"/>
+          </p:cNvPicPr>
+          <p:nvPr/>
+        </p:nvPicPr>
+        <p:blipFill>
+          <a:blip r:embed="rId21"/>
+          <a:stretch>
+            <a:fillRect/>
+          </a:stretch>
+        </p:blipFill>
+        <p:spPr>
+          <a:xfrm>
+            <a:off x="137059" y="3402007"/>
+            <a:ext cx="2619375" cy="809625"/>
+          </a:xfrm>
+          <a:prstGeom prst="rect">
+            <a:avLst/>
+          </a:prstGeom>
+        </p:spPr>
+      </p:pic>
+      <p:pic>
+        <p:nvPicPr>
+          <p:cNvPr id="44" name="Picture 43"/>
+          <p:cNvPicPr>
+            <a:picLocks noChangeAspect="1"/>
+          </p:cNvPicPr>
+          <p:nvPr/>
+        </p:nvPicPr>
+        <p:blipFill>
+          <a:blip r:embed="rId22"/>
+          <a:stretch>
+            <a:fillRect/>
+          </a:stretch>
+        </p:blipFill>
+        <p:spPr>
+          <a:xfrm>
+            <a:off x="127371" y="5518623"/>
+            <a:ext cx="3093660" cy="1072566"/>
+          </a:xfrm>
+          <a:prstGeom prst="rect">
+            <a:avLst/>
+          </a:prstGeom>
+        </p:spPr>
+      </p:pic>
+      <p:pic>
+        <p:nvPicPr>
+          <p:cNvPr id="45" name="Picture 44"/>
+          <p:cNvPicPr>
+            <a:picLocks noChangeAspect="1"/>
+          </p:cNvPicPr>
+          <p:nvPr/>
+        </p:nvPicPr>
+        <p:blipFill>
+          <a:blip r:embed="rId23"/>
+          <a:stretch>
+            <a:fillRect/>
+          </a:stretch>
+        </p:blipFill>
+        <p:spPr>
+          <a:xfrm>
+            <a:off x="10553700" y="5796303"/>
+            <a:ext cx="1344314" cy="792650"/>
+          </a:xfrm>
+          <a:prstGeom prst="rect">
+            <a:avLst/>
+          </a:prstGeom>
+        </p:spPr>
+      </p:pic>
+      <p:pic>
+        <p:nvPicPr>
+          <p:cNvPr id="46" name="Picture 45"/>
+          <p:cNvPicPr>
+            <a:picLocks noChangeAspect="1"/>
+          </p:cNvPicPr>
+          <p:nvPr/>
+        </p:nvPicPr>
+        <p:blipFill>
+          <a:blip r:embed="rId24"/>
+          <a:stretch>
+            <a:fillRect/>
+          </a:stretch>
+        </p:blipFill>
+        <p:spPr>
+          <a:xfrm>
+            <a:off x="9146517" y="5796302"/>
+            <a:ext cx="1255633" cy="792651"/>
+          </a:xfrm>
+          <a:prstGeom prst="rect">
+            <a:avLst/>
+          </a:prstGeom>
+        </p:spPr>
+      </p:pic>
+      <p:sp>
+        <p:nvSpPr>
+          <p:cNvPr id="47" name="TextBox 46"/>
+          <p:cNvSpPr txBox="1"/>
+          <p:nvPr/>
+        </p:nvSpPr>
+        <p:spPr>
+          <a:xfrm>
+            <a:off x="4506251" y="919639"/>
+            <a:ext cx="3094685" cy="451406"/>
+          </a:xfrm>
+          <a:prstGeom prst="rect">
+            <a:avLst/>
+          </a:prstGeom>
+          <a:noFill/>
+        </p:spPr>
+        <p:txBody>
+          <a:bodyPr wrap="square" rtlCol="0">
+            <a:spAutoFit/>
+          </a:bodyPr>
+          <a:lstStyle/>
+          <a:p>
+            <a:pPr>
+              <a:lnSpc>
+                <a:spcPts val="2800"/>
+              </a:lnSpc>
+            </a:pPr>
+            <a:r>
+              <a:rPr lang="en-US" sz="2800" b="1" dirty="0" smtClean="0">
+                <a:solidFill>
+                  <a:srgbClr val="C00000"/>
+                </a:solidFill>
+                <a:latin typeface="Garamond" panose="02020404030301010803" pitchFamily="18" charset="0"/>
+              </a:rPr>
+              <a:t>Math is involved</a:t>
+            </a:r>
+            <a:endParaRPr lang="en-US" sz="2800" b="1" dirty="0">
+              <a:solidFill>
+                <a:srgbClr val="C00000"/>
+              </a:solidFill>
+              <a:latin typeface="Garamond" panose="02020404030301010803" pitchFamily="18" charset="0"/>
+            </a:endParaRPr>
+          </a:p>
+        </p:txBody>
+      </p:sp>
+      <p:sp>
+        <p:nvSpPr>
+          <p:cNvPr id="48" name="TextBox 47"/>
+          <p:cNvSpPr txBox="1"/>
+          <p:nvPr/>
+        </p:nvSpPr>
+        <p:spPr>
+          <a:xfrm>
+            <a:off x="8994322" y="755718"/>
+            <a:ext cx="3264333" cy="810478"/>
+          </a:xfrm>
+          <a:prstGeom prst="rect">
+            <a:avLst/>
+          </a:prstGeom>
+          <a:noFill/>
+        </p:spPr>
+        <p:txBody>
+          <a:bodyPr wrap="square" rtlCol="0">
+            <a:spAutoFit/>
+          </a:bodyPr>
+          <a:lstStyle/>
+          <a:p>
+            <a:pPr>
+              <a:lnSpc>
+                <a:spcPts val="2800"/>
+              </a:lnSpc>
+            </a:pPr>
+            <a:r>
+              <a:rPr lang="en-US" sz="2800" b="1" dirty="0" smtClean="0">
+                <a:solidFill>
+                  <a:srgbClr val="C00000"/>
+                </a:solidFill>
+                <a:latin typeface="Garamond" panose="02020404030301010803" pitchFamily="18" charset="0"/>
+              </a:rPr>
+              <a:t>Scientific computing</a:t>
+            </a:r>
+          </a:p>
+        </p:txBody>
+      </p:sp>
+      <p:sp>
+        <p:nvSpPr>
+          <p:cNvPr id="49" name="Oval 48"/>
+          <p:cNvSpPr/>
+          <p:nvPr/>
+        </p:nvSpPr>
+        <p:spPr>
+          <a:xfrm>
+            <a:off x="8982447" y="4105089"/>
+            <a:ext cx="2915567" cy="1691214"/>
+          </a:xfrm>
+          <a:prstGeom prst="ellipse">
+            <a:avLst/>
+          </a:prstGeom>
+          <a:noFill/>
+          <a:ln w="57150">
+            <a:solidFill>
+              <a:srgbClr val="C00000">
+                <a:alpha val="63000"/>
+              </a:srgbClr>
+            </a:solidFill>
+          </a:ln>
+        </p:spPr>
+        <p:style>
+          <a:lnRef idx="2">
+            <a:schemeClr val="accent1">
+              <a:shade val="50000"/>
+            </a:schemeClr>
+          </a:lnRef>
+          <a:fillRef idx="1">
+            <a:schemeClr val="accent1"/>
+          </a:fillRef>
+          <a:effectRef idx="0">
+            <a:schemeClr val="accent1"/>
+          </a:effectRef>
+          <a:fontRef idx="minor">
+            <a:schemeClr val="lt1"/>
+          </a:fontRef>
+        </p:style>
+        <p:txBody>
+          <a:bodyPr rtlCol="0" anchor="ctr"/>
+          <a:lstStyle/>
+          <a:p>
+            <a:pPr algn="ctr"/>
+            <a:endParaRPr lang="en-US"/>
+          </a:p>
+        </p:txBody>
+      </p:sp>
+      <p:sp>
+        <p:nvSpPr>
+          <p:cNvPr id="53" name="TextBox 52"/>
+          <p:cNvSpPr txBox="1"/>
+          <p:nvPr/>
+        </p:nvSpPr>
+        <p:spPr>
+          <a:xfrm>
+            <a:off x="7441807" y="3400850"/>
+            <a:ext cx="2037254" cy="584775"/>
+          </a:xfrm>
+          <a:prstGeom prst="rect">
+            <a:avLst/>
+          </a:prstGeom>
+          <a:noFill/>
+        </p:spPr>
+        <p:txBody>
+          <a:bodyPr wrap="square" rtlCol="0">
+            <a:spAutoFit/>
+          </a:bodyPr>
+          <a:lstStyle/>
+          <a:p>
+            <a:r>
+              <a:rPr lang="en-US" sz="1600" b="1" dirty="0" smtClean="0">
+                <a:solidFill>
+                  <a:srgbClr val="C00000"/>
+                </a:solidFill>
+                <a:latin typeface="Garamond" panose="02020404030301010803" pitchFamily="18" charset="0"/>
+              </a:rPr>
+              <a:t>Some </a:t>
+            </a:r>
+          </a:p>
+          <a:p>
+            <a:r>
+              <a:rPr lang="en-US" sz="1600" b="1" dirty="0" smtClean="0">
+                <a:solidFill>
+                  <a:srgbClr val="C00000"/>
+                </a:solidFill>
+                <a:latin typeface="Garamond" panose="02020404030301010803" pitchFamily="18" charset="0"/>
+              </a:rPr>
+              <a:t>assumptions</a:t>
+            </a:r>
+            <a:endParaRPr lang="en-US" sz="1600" b="1" dirty="0">
+              <a:solidFill>
+                <a:srgbClr val="C00000"/>
+              </a:solidFill>
+              <a:latin typeface="Garamond" panose="02020404030301010803" pitchFamily="18" charset="0"/>
+            </a:endParaRPr>
+          </a:p>
+        </p:txBody>
+      </p:sp>
+      <p:cxnSp>
+        <p:nvCxnSpPr>
+          <p:cNvPr id="55" name="Curved Connector 54"/>
+          <p:cNvCxnSpPr>
+            <a:endCxn id="49" idx="2"/>
+          </p:cNvCxnSpPr>
+          <p:nvPr/>
+        </p:nvCxnSpPr>
+        <p:spPr>
+          <a:xfrm rot="16200000" flipH="1">
+            <a:off x="8118758" y="4087007"/>
+            <a:ext cx="894788" cy="832590"/>
+          </a:xfrm>
+          <a:prstGeom prst="curvedConnector2">
+            <a:avLst/>
+          </a:prstGeom>
+          <a:ln w="28575">
+            <a:solidFill>
+              <a:srgbClr val="C00000">
+                <a:alpha val="54000"/>
+              </a:srgbClr>
+            </a:solidFill>
+            <a:tailEnd type="triangle"/>
+          </a:ln>
+        </p:spPr>
+        <p:style>
+          <a:lnRef idx="1">
+            <a:schemeClr val="accent1"/>
+          </a:lnRef>
+          <a:fillRef idx="0">
+            <a:schemeClr val="accent1"/>
+          </a:fillRef>
+          <a:effectRef idx="0">
+            <a:schemeClr val="accent1"/>
+          </a:effectRef>
+          <a:fontRef idx="minor">
+            <a:schemeClr val="tx1"/>
+          </a:fontRef>
+        </p:style>
+      </p:cxnSp>
+      <p:pic>
+        <p:nvPicPr>
+          <p:cNvPr id="18" name="Picture 17"/>
+          <p:cNvPicPr>
+            <a:picLocks noChangeAspect="1"/>
+          </p:cNvPicPr>
+          <p:nvPr/>
+        </p:nvPicPr>
+        <p:blipFill>
+          <a:blip r:embed="rId25"/>
+          <a:stretch>
+            <a:fillRect/>
+          </a:stretch>
+        </p:blipFill>
+        <p:spPr>
+          <a:xfrm rot="19439869">
+            <a:off x="4614747" y="4763973"/>
+            <a:ext cx="1488985" cy="1126164"/>
+          </a:xfrm>
+          <a:prstGeom prst="rect">
+            <a:avLst/>
+          </a:prstGeom>
+        </p:spPr>
+      </p:pic>
+      <p:pic>
+        <p:nvPicPr>
+          <p:cNvPr id="21" name="Picture 20"/>
+          <p:cNvPicPr>
+            <a:picLocks noChangeAspect="1"/>
+          </p:cNvPicPr>
+          <p:nvPr/>
+        </p:nvPicPr>
+        <p:blipFill>
+          <a:blip r:embed="rId16"/>
+          <a:stretch>
+            <a:fillRect/>
+          </a:stretch>
+        </p:blipFill>
+        <p:spPr>
+          <a:xfrm>
+            <a:off x="4553552" y="5729055"/>
+            <a:ext cx="2858156" cy="479064"/>
+          </a:xfrm>
+          <a:prstGeom prst="rect">
+            <a:avLst/>
+          </a:prstGeom>
+        </p:spPr>
+      </p:pic>
+      <p:sp>
+        <p:nvSpPr>
+          <p:cNvPr id="38" name="Title 1"/>
+          <p:cNvSpPr txBox="1">
+            <a:spLocks/>
+          </p:cNvSpPr>
+          <p:nvPr/>
+        </p:nvSpPr>
+        <p:spPr>
+          <a:xfrm>
+            <a:off x="775854" y="0"/>
+            <a:ext cx="10515600" cy="602673"/>
+          </a:xfrm>
+          <a:prstGeom prst="rect">
+            <a:avLst/>
+          </a:prstGeom>
+        </p:spPr>
+        <p:txBody>
+          <a:bodyPr vert="horz" lIns="91440" tIns="45720" rIns="91440" bIns="45720" rtlCol="0" anchor="b">
+            <a:noAutofit/>
+          </a:bodyPr>
+          <a:lstStyle>
+            <a:lvl1pPr algn="ctr" defTabSz="914400" rtl="0" eaLnBrk="1" latinLnBrk="0" hangingPunct="1">
+              <a:lnSpc>
+                <a:spcPct val="90000"/>
+              </a:lnSpc>
+              <a:spcBef>
+                <a:spcPct val="0"/>
+              </a:spcBef>
+              <a:buNone/>
+              <a:defRPr sz="6000" kern="1200">
+                <a:solidFill>
+                  <a:schemeClr val="tx1"/>
+                </a:solidFill>
+                <a:latin typeface="+mj-lt"/>
+                <a:ea typeface="+mj-ea"/>
+                <a:cs typeface="+mj-cs"/>
+              </a:defRPr>
+            </a:lvl1pPr>
+          </a:lstStyle>
+          <a:p>
+            <a:r>
+              <a:rPr lang="en-US" sz="3200" dirty="0" smtClean="0">
+                <a:latin typeface="Garamond" panose="02020404030301010803" pitchFamily="18" charset="0"/>
+              </a:rPr>
+              <a:t>Customer Requirements</a:t>
+            </a:r>
+            <a:endParaRPr lang="en-US" sz="3200" dirty="0">
+              <a:latin typeface="Garamond" panose="02020404030301010803" pitchFamily="18" charset="0"/>
+            </a:endParaRPr>
+          </a:p>
+        </p:txBody>
+      </p:sp>
+      <p:cxnSp>
+        <p:nvCxnSpPr>
+          <p:cNvPr id="39" name="Straight Connector 38"/>
+          <p:cNvCxnSpPr/>
+          <p:nvPr/>
+        </p:nvCxnSpPr>
+        <p:spPr>
+          <a:xfrm>
+            <a:off x="519545" y="644238"/>
+            <a:ext cx="11055928" cy="0"/>
+          </a:xfrm>
+          <a:prstGeom prst="line">
+            <a:avLst/>
+          </a:prstGeom>
+        </p:spPr>
+        <p:style>
+          <a:lnRef idx="1">
+            <a:schemeClr val="dk1"/>
+          </a:lnRef>
+          <a:fillRef idx="0">
+            <a:schemeClr val="dk1"/>
+          </a:fillRef>
+          <a:effectRef idx="0">
+            <a:schemeClr val="dk1"/>
+          </a:effectRef>
+          <a:fontRef idx="minor">
+            <a:schemeClr val="tx1"/>
+          </a:fontRef>
+        </p:style>
+      </p:cxnSp>
+    </p:spTree>
+    <p:extLst>
+      <p:ext uri="{BB962C8B-B14F-4D97-AF65-F5344CB8AC3E}">
+        <p14:creationId xmlns:p14="http://schemas.microsoft.com/office/powerpoint/2010/main" val="2682996731"/>
+      </p:ext>
+    </p:extLst>
+  </p:cSld>
+  <p:clrMapOvr>
+    <a:masterClrMapping/>
+  </p:clrMapOvr>
   <p:timing>
     <p:tnLst>
       <p:par>
